--- a/Project/Files/Poster-Patrom.pptx
+++ b/Project/Files/Poster-Patrom.pptx
@@ -225,7 +225,7 @@
             <a:fld id="{0158C5BC-9A70-462C-B28D-9600239EAC64}" type="datetimeFigureOut">
               <a:rPr lang="en-US" smtClean="0"/>
               <a:pPr/>
-              <a:t>4/17/24</a:t>
+              <a:t>4/26/24</a:t>
             </a:fld>
             <a:endParaRPr lang="en-US"/>
           </a:p>
@@ -392,7 +392,7 @@
             <a:fld id="{E6CC2317-6751-4CD4-9995-8782DD78E936}" type="datetimeFigureOut">
               <a:rPr lang="en-US" smtClean="0"/>
               <a:pPr/>
-              <a:t>4/17/24</a:t>
+              <a:t>4/26/24</a:t>
             </a:fld>
             <a:endParaRPr lang="en-US" dirty="0"/>
           </a:p>
@@ -660,6 +660,91 @@
     </a:lvl9pPr>
   </p:notesStyle>
 </p:notesMaster>
+</file>
+
+<file path=ppt/notesSlides/notesSlide1.xml><?xml version="1.0" encoding="utf-8"?>
+<p:notes xmlns:a="http://schemas.openxmlformats.org/drawingml/2006/main" xmlns:r="http://schemas.openxmlformats.org/officeDocument/2006/relationships" xmlns:p="http://schemas.openxmlformats.org/presentationml/2006/main">
+  <p:cSld>
+    <p:spTree>
+      <p:nvGrpSpPr>
+        <p:cNvPr id="1" name=""/>
+        <p:cNvGrpSpPr/>
+        <p:nvPr/>
+      </p:nvGrpSpPr>
+      <p:grpSpPr>
+        <a:xfrm>
+          <a:off x="0" y="0"/>
+          <a:ext cx="0" cy="0"/>
+          <a:chOff x="0" y="0"/>
+          <a:chExt cx="0" cy="0"/>
+        </a:xfrm>
+      </p:grpSpPr>
+      <p:sp>
+        <p:nvSpPr>
+          <p:cNvPr id="2" name="Slide Image Placeholder 1"/>
+          <p:cNvSpPr>
+            <a:spLocks noGrp="1" noRot="1" noChangeAspect="1"/>
+          </p:cNvSpPr>
+          <p:nvPr>
+            <p:ph type="sldImg"/>
+          </p:nvPr>
+        </p:nvSpPr>
+        <p:spPr/>
+      </p:sp>
+      <p:sp>
+        <p:nvSpPr>
+          <p:cNvPr id="3" name="Notes Placeholder 2"/>
+          <p:cNvSpPr>
+            <a:spLocks noGrp="1"/>
+          </p:cNvSpPr>
+          <p:nvPr>
+            <p:ph type="body" idx="1"/>
+          </p:nvPr>
+        </p:nvSpPr>
+        <p:spPr/>
+        <p:txBody>
+          <a:bodyPr/>
+          <a:lstStyle/>
+          <a:p>
+            <a:endParaRPr lang="en-US" dirty="0"/>
+          </a:p>
+        </p:txBody>
+      </p:sp>
+      <p:sp>
+        <p:nvSpPr>
+          <p:cNvPr id="4" name="Slide Number Placeholder 3"/>
+          <p:cNvSpPr>
+            <a:spLocks noGrp="1"/>
+          </p:cNvSpPr>
+          <p:nvPr>
+            <p:ph type="sldNum" sz="quarter" idx="5"/>
+          </p:nvPr>
+        </p:nvSpPr>
+        <p:spPr/>
+        <p:txBody>
+          <a:bodyPr/>
+          <a:lstStyle/>
+          <a:p>
+            <a:fld id="{26A1A87D-CAF7-4BDC-A0D3-C0DBEDE81619}" type="slidenum">
+              <a:rPr lang="en-US" smtClean="0"/>
+              <a:pPr/>
+              <a:t>1</a:t>
+            </a:fld>
+            <a:endParaRPr lang="en-US" dirty="0"/>
+          </a:p>
+        </p:txBody>
+      </p:sp>
+    </p:spTree>
+    <p:extLst>
+      <p:ext uri="{BB962C8B-B14F-4D97-AF65-F5344CB8AC3E}">
+        <p14:creationId xmlns:p14="http://schemas.microsoft.com/office/powerpoint/2010/main" val="2982276660"/>
+      </p:ext>
+    </p:extLst>
+  </p:cSld>
+  <p:clrMapOvr>
+    <a:masterClrMapping/>
+  </p:clrMapOvr>
+</p:notes>
 </file>
 
 <file path=ppt/slideLayouts/slideLayout1.xml><?xml version="1.0" encoding="utf-8"?>
@@ -6773,7 +6858,7 @@
           <a:p>
             <a:r>
               <a:rPr lang="en-US" sz="4400" dirty="0"/>
-              <a:t>Predicting global video game sales: Analyzing genre, publisher, platform, and region influences</a:t>
+              <a:t>Predicting Global Video Game Sales: Analyzing Genre, Publisher, Platform, and Region Influences</a:t>
             </a:r>
           </a:p>
         </p:txBody>
@@ -6794,38 +6879,10 @@
             <p:ph type="body" sz="quarter" idx="15"/>
           </p:nvPr>
         </p:nvSpPr>
-        <p:spPr/>
-        <p:txBody>
-          <a:bodyPr/>
-          <a:lstStyle/>
-          <a:p>
-            <a:r>
-              <a:rPr lang="en-US" dirty="0"/>
-              <a:t>INTRODUCTION</a:t>
-            </a:r>
-          </a:p>
-        </p:txBody>
-      </p:sp>
-      <p:sp>
-        <p:nvSpPr>
-          <p:cNvPr id="6" name="Text Placeholder 5">
-            <a:extLst>
-              <a:ext uri="{FF2B5EF4-FFF2-40B4-BE49-F238E27FC236}">
-                <a16:creationId xmlns:a16="http://schemas.microsoft.com/office/drawing/2014/main" id="{A5DE1169-8E44-8344-A5CD-DA0F01E9245D}"/>
-              </a:ext>
-            </a:extLst>
-          </p:cNvPr>
-          <p:cNvSpPr>
-            <a:spLocks noGrp="1"/>
-          </p:cNvSpPr>
-          <p:nvPr>
-            <p:ph type="body" sz="quarter" idx="17"/>
-          </p:nvPr>
-        </p:nvSpPr>
         <p:spPr>
           <a:xfrm>
-            <a:off x="11391202" y="22643395"/>
-            <a:ext cx="10059099" cy="553998"/>
+            <a:off x="456500" y="4997541"/>
+            <a:ext cx="10059099" cy="769441"/>
           </a:xfrm>
         </p:spPr>
         <p:txBody>
@@ -6833,8 +6890,8 @@
           <a:lstStyle/>
           <a:p>
             <a:r>
-              <a:rPr lang="en-US" dirty="0"/>
-              <a:t>OBJECTIVES</a:t>
+              <a:rPr lang="en-US" sz="4400" dirty="0"/>
+              <a:t>INTRODUCTION</a:t>
             </a:r>
           </a:p>
         </p:txBody>
@@ -6857,8 +6914,8 @@
         </p:nvSpPr>
         <p:spPr>
           <a:xfrm>
-            <a:off x="22440900" y="5149007"/>
-            <a:ext cx="10058400" cy="553998"/>
+            <a:off x="447842" y="18439905"/>
+            <a:ext cx="10058400" cy="707886"/>
           </a:xfrm>
         </p:spPr>
         <p:txBody>
@@ -6866,7 +6923,7 @@
           <a:lstStyle/>
           <a:p>
             <a:r>
-              <a:rPr lang="en-US" dirty="0"/>
+              <a:rPr lang="en-US" sz="4000" dirty="0"/>
               <a:t>MATERIALS and METHODS</a:t>
             </a:r>
           </a:p>
@@ -6890,8 +6947,8 @@
         </p:nvSpPr>
         <p:spPr>
           <a:xfrm>
-            <a:off x="22325902" y="16459200"/>
-            <a:ext cx="10058400" cy="553998"/>
+            <a:off x="22359131" y="4997541"/>
+            <a:ext cx="10058400" cy="769441"/>
           </a:xfrm>
         </p:spPr>
         <p:txBody>
@@ -6899,7 +6956,7 @@
           <a:lstStyle/>
           <a:p>
             <a:r>
-              <a:rPr lang="en-US" dirty="0"/>
+              <a:rPr lang="en-US" sz="4400" dirty="0"/>
               <a:t>RESULTS</a:t>
             </a:r>
           </a:p>
@@ -6921,13 +6978,18 @@
             <p:ph type="body" sz="quarter" idx="20"/>
           </p:nvPr>
         </p:nvSpPr>
-        <p:spPr/>
+        <p:spPr>
+          <a:xfrm>
+            <a:off x="33134732" y="20074122"/>
+            <a:ext cx="10058400" cy="769441"/>
+          </a:xfrm>
+        </p:spPr>
         <p:txBody>
           <a:bodyPr/>
           <a:lstStyle/>
           <a:p>
             <a:r>
-              <a:rPr lang="en-US" dirty="0"/>
+              <a:rPr lang="en-US" sz="4400" dirty="0"/>
               <a:t>CONCLUSIONS</a:t>
             </a:r>
           </a:p>
@@ -6951,8 +7013,8 @@
         </p:nvSpPr>
         <p:spPr>
           <a:xfrm>
-            <a:off x="33375600" y="24820870"/>
-            <a:ext cx="10058400" cy="553998"/>
+            <a:off x="33134732" y="27779860"/>
+            <a:ext cx="10058400" cy="769441"/>
           </a:xfrm>
         </p:spPr>
         <p:txBody>
@@ -6960,7 +7022,7 @@
           <a:lstStyle/>
           <a:p>
             <a:r>
-              <a:rPr lang="en-US" dirty="0"/>
+              <a:rPr lang="en-US" sz="4400" dirty="0"/>
               <a:t>REFERENCES</a:t>
             </a:r>
           </a:p>
@@ -6984,149 +7046,115 @@
         </p:nvSpPr>
         <p:spPr>
           <a:xfrm>
-            <a:off x="457200" y="5703005"/>
-            <a:ext cx="10058400" cy="14034611"/>
+            <a:off x="578877" y="4997539"/>
+            <a:ext cx="10058400" cy="14231588"/>
           </a:xfrm>
         </p:spPr>
         <p:txBody>
           <a:bodyPr/>
           <a:lstStyle/>
           <a:p>
-            <a:pPr marL="0" marR="0"/>
-            <a:r>
-              <a:rPr lang="en-US" sz="2400" dirty="0">
+            <a:pPr algn="l"/>
+            <a:br>
+              <a:rPr lang="en-US" b="0" i="0" u="none" strike="noStrike" dirty="0">
+                <a:solidFill>
+                  <a:srgbClr val="0D0D0D"/>
+                </a:solidFill>
                 <a:effectLst/>
                 <a:latin typeface="Times New Roman" panose="02020603050405020304" pitchFamily="18" charset="0"/>
-                <a:ea typeface="Times New Roman" panose="02020603050405020304" pitchFamily="18" charset="0"/>
+                <a:cs typeface="Times New Roman" panose="02020603050405020304" pitchFamily="18" charset="0"/>
               </a:rPr>
-              <a:t>The video game industry, from its infancy to its modern-day status as a pillar of entertainment for families and individuals, has seen a remarkable evolution. Early games adopted a simple gameplay, limited by the software and hardware of its time, that were often enjoyed by users in solidarity or in small social groups. The industry had a limited audience that mainly consisted of enthusiasts. Consoles would not be found in a large portion of households and at the earliest stage required participants to travel to arcades which housed the machines powering developed games. Publishers and development teams were small and unaware of the impact that their work would have as the industry matured. </a:t>
-            </a:r>
-          </a:p>
-          <a:p>
-            <a:pPr marL="0" marR="0"/>
-            <a:endParaRPr lang="en-US" sz="2400" dirty="0">
+            </a:br>
+            <a:r>
+              <a:rPr lang="en-US" b="0" i="0" u="none" strike="noStrike" dirty="0">
+                <a:solidFill>
+                  <a:srgbClr val="0D0D0D"/>
+                </a:solidFill>
+                <a:effectLst/>
+                <a:latin typeface="Times New Roman" panose="02020603050405020304" pitchFamily="18" charset="0"/>
+                <a:cs typeface="Times New Roman" panose="02020603050405020304" pitchFamily="18" charset="0"/>
+              </a:rPr>
+              <a:t>The video game industry has seen a significant transformation from its early days of simple gameplay. Technological trends gave video games the ability to boast advanced graphics, realistic physics, complex AI, and immersive storytelling, supported by powerful consoles and mobile computing devices.</a:t>
+            </a:r>
+          </a:p>
+          <a:p>
+            <a:pPr algn="l"/>
+            <a:endParaRPr lang="en-US" b="0" i="0" u="none" strike="noStrike" dirty="0">
+              <a:solidFill>
+                <a:srgbClr val="0D0D0D"/>
+              </a:solidFill>
               <a:effectLst/>
               <a:latin typeface="Times New Roman" panose="02020603050405020304" pitchFamily="18" charset="0"/>
-              <a:ea typeface="Times New Roman" panose="02020603050405020304" pitchFamily="18" charset="0"/>
+              <a:cs typeface="Times New Roman" panose="02020603050405020304" pitchFamily="18" charset="0"/>
             </a:endParaRPr>
           </a:p>
           <a:p>
-            <a:pPr marL="0" marR="0"/>
-            <a:r>
-              <a:rPr lang="en-US" sz="2400" dirty="0">
+            <a:pPr algn="l"/>
+            <a:r>
+              <a:rPr lang="en-US" b="0" i="0" u="none" strike="noStrike" dirty="0">
+                <a:solidFill>
+                  <a:srgbClr val="0D0D0D"/>
+                </a:solidFill>
                 <a:effectLst/>
                 <a:latin typeface="Times New Roman" panose="02020603050405020304" pitchFamily="18" charset="0"/>
-                <a:ea typeface="Times New Roman" panose="02020603050405020304" pitchFamily="18" charset="0"/>
+                <a:cs typeface="Times New Roman" panose="02020603050405020304" pitchFamily="18" charset="0"/>
               </a:rPr>
-              <a:t>Forwarding to the present, with the help of advancements in technology, the video game sector has evolved into an industry generating millions in revenue. Games are often characterized by cutting edge graphics, realistic physics, and complex AI, supported by powerful consoles and mobile devices. Creators offer complex storytelling and artistic expression within their developed games. Culturally, video games no longer encompass small audiences. There are organized multiplayer gaming events and streaming platforms that offer more engagement from the community. Like it or not, video games are recognized as an integral part of global culture, influencing societal trends and values. </a:t>
-            </a:r>
-          </a:p>
-          <a:p>
-            <a:endParaRPr lang="en-US" sz="2400" dirty="0">
+              <a:t>A broad audience now partakes in video game culture, from large-scale multiplayer events to engaging with influencers on streaming platforms. Financially, the video game industry excels, with revenues reaching $406.2 billion and projected to grow to $666.69 billion by 2029[1].</a:t>
+            </a:r>
+          </a:p>
+          <a:p>
+            <a:pPr algn="l"/>
+            <a:endParaRPr lang="en-US" dirty="0">
+              <a:solidFill>
+                <a:srgbClr val="0D0D0D"/>
+              </a:solidFill>
               <a:latin typeface="Times New Roman" panose="02020603050405020304" pitchFamily="18" charset="0"/>
-              <a:ea typeface="Times New Roman" panose="02020603050405020304" pitchFamily="18" charset="0"/>
+              <a:cs typeface="Times New Roman" panose="02020603050405020304" pitchFamily="18" charset="0"/>
             </a:endParaRPr>
           </a:p>
           <a:p>
-            <a:r>
-              <a:rPr lang="en-US" sz="2400" dirty="0">
+            <a:pPr algn="l"/>
+            <a:r>
+              <a:rPr lang="en-US" b="0" i="0" u="none" strike="noStrike" dirty="0">
+                <a:solidFill>
+                  <a:srgbClr val="0D0D0D"/>
+                </a:solidFill>
                 <a:effectLst/>
                 <a:latin typeface="Times New Roman" panose="02020603050405020304" pitchFamily="18" charset="0"/>
-                <a:ea typeface="Times New Roman" panose="02020603050405020304" pitchFamily="18" charset="0"/>
+                <a:cs typeface="Times New Roman" panose="02020603050405020304" pitchFamily="18" charset="0"/>
               </a:rPr>
-              <a:t>Video game sales are heavily influenced by multiple factors, including technological advancements, changing consumer demographics, and the growing variety of consoles offered to gamers. Among these factors, three stand out as being key elements affecting a video game’s success, genre, publisher, and platform. Monetarily, it is of great value to a company to be able to estimate the number of sales. Worldwide, video games generated 406.2 billion dollars in revenue with an upward trend in revenue in the coming years. It is estimated that in 2029 video games would have generated 666.69 dollars in revenue [1]. This study aims to identify patterns, correlations, and trends that could inform predictive models and strategic decision-making in game development and marketing.</a:t>
-            </a:r>
-          </a:p>
-          <a:p>
-            <a:endParaRPr lang="en-US" sz="2400" dirty="0"/>
-          </a:p>
-        </p:txBody>
-      </p:sp>
-      <p:sp>
-        <p:nvSpPr>
-          <p:cNvPr id="13" name="Text Placeholder 12">
-            <a:extLst>
-              <a:ext uri="{FF2B5EF4-FFF2-40B4-BE49-F238E27FC236}">
-                <a16:creationId xmlns:a16="http://schemas.microsoft.com/office/drawing/2014/main" id="{4DD4B619-430D-8A45-B4E0-96F5F4B5F4A9}"/>
-              </a:ext>
-            </a:extLst>
-          </p:cNvPr>
-          <p:cNvSpPr>
-            <a:spLocks noGrp="1"/>
-          </p:cNvSpPr>
-          <p:nvPr>
-            <p:ph type="body" sz="quarter" idx="23"/>
-          </p:nvPr>
-        </p:nvSpPr>
-        <p:spPr>
-          <a:xfrm>
-            <a:off x="11391902" y="23065209"/>
-            <a:ext cx="10058399" cy="9307163"/>
-          </a:xfrm>
-        </p:spPr>
-        <p:txBody>
-          <a:bodyPr/>
-          <a:lstStyle/>
-          <a:p>
-            <a:r>
-              <a:rPr lang="en-US" sz="2400" dirty="0">
+              <a:t>Key factors influencing a game's success include its genre, the publisher, and the platform on which it's released. This growth and the factors driving sales are critical for companies in strategizing game development and marketing, aiming to tap into patterns and trends for better forecasting and decision-making.</a:t>
+            </a:r>
+          </a:p>
+          <a:p>
+            <a:pPr algn="l"/>
+            <a:endParaRPr lang="en-US" b="0" i="0" u="none" strike="noStrike" dirty="0">
+              <a:solidFill>
+                <a:srgbClr val="0D0D0D"/>
+              </a:solidFill>
+              <a:effectLst/>
+              <a:latin typeface="Times New Roman" panose="02020603050405020304" pitchFamily="18" charset="0"/>
+              <a:cs typeface="Times New Roman" panose="02020603050405020304" pitchFamily="18" charset="0"/>
+            </a:endParaRPr>
+          </a:p>
+          <a:p>
+            <a:r>
+              <a:rPr lang="en-US" b="0" i="0" u="none" strike="noStrike" dirty="0">
+                <a:solidFill>
+                  <a:srgbClr val="0D0D0D"/>
+                </a:solidFill>
                 <a:effectLst/>
                 <a:latin typeface="Times New Roman" panose="02020603050405020304" pitchFamily="18" charset="0"/>
-                <a:ea typeface="Times New Roman" panose="02020603050405020304" pitchFamily="18" charset="0"/>
+                <a:cs typeface="Times New Roman" panose="02020603050405020304" pitchFamily="18" charset="0"/>
               </a:rPr>
-              <a:t>In our analysis we aimed to predict video game sales using platform creator, publisher, genre, and regional sales data as our predictors. The goal was to identify which factors significantly influence global sales. The choice of models and techniques kept this goal in mind. A linear regression and random forest model were chosen to try and accommodate the mixture of categorical and numerical data. Linear regression, with its simplicity and interpretability, was useful in understanding the direct influences of the chosen predictors on a video games success. Multiple linear regression models were created to evaluate the usefulness/influence of certain chosen predictors. The predictors in the first model were genre, publisher, and platform creator. The predictors in the second model were North American, Europe, Japan, and other sales. The predictors in the third model were a combination of the two using genre, publisher, platform creator, and one of the four regional sales attributes. Seeing as there was bound to be non-linearity among the predictors, a random forest model was chosen for its robustness and ability to capture complicated relationships between the predictors. The primary metrics for evaluation were Mean Squared Error (MSE) and an R</a:t>
-            </a:r>
-            <a:r>
-              <a:rPr lang="en-US" sz="2400" baseline="30000" dirty="0">
-                <a:effectLst/>
-                <a:latin typeface="Times New Roman" panose="02020603050405020304" pitchFamily="18" charset="0"/>
-                <a:ea typeface="Times New Roman" panose="02020603050405020304" pitchFamily="18" charset="0"/>
-              </a:rPr>
-              <a:t>2</a:t>
-            </a:r>
-            <a:r>
-              <a:rPr lang="en-US" sz="2400" dirty="0">
-                <a:effectLst/>
-                <a:latin typeface="Times New Roman" panose="02020603050405020304" pitchFamily="18" charset="0"/>
-                <a:ea typeface="Times New Roman" panose="02020603050405020304" pitchFamily="18" charset="0"/>
-              </a:rPr>
-              <a:t> score. A lower MSE would indicate the model has a closer prediction to the actual sales figure. An R</a:t>
-            </a:r>
-            <a:r>
-              <a:rPr lang="en-US" sz="2400" baseline="30000" dirty="0">
-                <a:effectLst/>
-                <a:latin typeface="Times New Roman" panose="02020603050405020304" pitchFamily="18" charset="0"/>
-                <a:ea typeface="Times New Roman" panose="02020603050405020304" pitchFamily="18" charset="0"/>
-              </a:rPr>
-              <a:t>2</a:t>
-            </a:r>
-            <a:r>
-              <a:rPr lang="en-US" sz="2400" dirty="0">
-                <a:effectLst/>
-                <a:latin typeface="Times New Roman" panose="02020603050405020304" pitchFamily="18" charset="0"/>
-                <a:ea typeface="Times New Roman" panose="02020603050405020304" pitchFamily="18" charset="0"/>
-              </a:rPr>
-              <a:t> score, ranging from 0 to 1, indicates how well the variance in global sales is explained by the model. In the results we will be using R</a:t>
-            </a:r>
-            <a:r>
-              <a:rPr lang="en-US" sz="2400" baseline="30000" dirty="0">
-                <a:effectLst/>
-                <a:latin typeface="Times New Roman" panose="02020603050405020304" pitchFamily="18" charset="0"/>
-                <a:ea typeface="Times New Roman" panose="02020603050405020304" pitchFamily="18" charset="0"/>
-              </a:rPr>
-              <a:t>2</a:t>
-            </a:r>
-            <a:r>
-              <a:rPr lang="en-US" sz="2400" dirty="0">
-                <a:effectLst/>
-                <a:latin typeface="Times New Roman" panose="02020603050405020304" pitchFamily="18" charset="0"/>
-                <a:ea typeface="Times New Roman" panose="02020603050405020304" pitchFamily="18" charset="0"/>
-              </a:rPr>
-              <a:t> to evaluate the explanatory power of each model and the MSE for prediction accuracy. </a:t>
-            </a:r>
-          </a:p>
-          <a:p>
-            <a:endParaRPr lang="en-US" sz="2400" dirty="0"/>
+              <a:t>This analysis focuses on predicting video game sales using platform creator, publisher, and genre.</a:t>
+            </a:r>
+          </a:p>
+          <a:p>
+            <a:endParaRPr lang="en-US" dirty="0">
+              <a:latin typeface="Times New Roman" panose="02020603050405020304" pitchFamily="18" charset="0"/>
+              <a:cs typeface="Times New Roman" panose="02020603050405020304" pitchFamily="18" charset="0"/>
+            </a:endParaRPr>
           </a:p>
         </p:txBody>
       </p:sp>
@@ -7148,517 +7176,131 @@
         </p:nvSpPr>
         <p:spPr>
           <a:xfrm>
-            <a:off x="22555203" y="5919348"/>
-            <a:ext cx="10058400" cy="10193560"/>
+            <a:off x="447842" y="19569548"/>
+            <a:ext cx="10058400" cy="11178445"/>
           </a:xfrm>
         </p:spPr>
         <p:txBody>
           <a:bodyPr/>
           <a:lstStyle/>
           <a:p>
-            <a:pPr marL="0" marR="0"/>
-            <a:r>
-              <a:rPr lang="en-US" sz="2400" dirty="0">
-                <a:effectLst/>
+            <a:r>
+              <a:rPr lang="en-US" dirty="0">
                 <a:latin typeface="Times New Roman" panose="02020603050405020304" pitchFamily="18" charset="0"/>
-                <a:ea typeface="Times New Roman" panose="02020603050405020304" pitchFamily="18" charset="0"/>
+                <a:cs typeface="Times New Roman" panose="02020603050405020304" pitchFamily="18" charset="0"/>
               </a:rPr>
-              <a:t>The language of choice in the analysis was Python. For the exploratory data analysis </a:t>
-            </a:r>
-            <a:r>
-              <a:rPr lang="en-US" sz="2400" i="1" dirty="0">
-                <a:effectLst/>
+              <a:t>This study used linear regression models to determine the direct impact of platform creator, publisher, and genre predictors on sales. Random forest models were utilized to apply a more robust model to our problem. </a:t>
+            </a:r>
+          </a:p>
+          <a:p>
+            <a:endParaRPr lang="en-US" dirty="0">
+              <a:latin typeface="Times New Roman" panose="02020603050405020304" pitchFamily="18" charset="0"/>
+              <a:cs typeface="Times New Roman" panose="02020603050405020304" pitchFamily="18" charset="0"/>
+            </a:endParaRPr>
+          </a:p>
+          <a:p>
+            <a:r>
+              <a:rPr lang="en-US" dirty="0">
                 <a:latin typeface="Times New Roman" panose="02020603050405020304" pitchFamily="18" charset="0"/>
-                <a:ea typeface="Times New Roman" panose="02020603050405020304" pitchFamily="18" charset="0"/>
+                <a:cs typeface="Times New Roman" panose="02020603050405020304" pitchFamily="18" charset="0"/>
               </a:rPr>
-              <a:t>Pandas, </a:t>
-            </a:r>
-            <a:r>
-              <a:rPr lang="en-US" sz="2400" i="1" dirty="0" err="1">
-                <a:effectLst/>
+              <a:t>In total three linear regression models were created. The predictors used are listed</a:t>
+            </a:r>
+          </a:p>
+          <a:p>
+            <a:pPr marL="457200" indent="-457200">
+              <a:buFont typeface="Arial" panose="020B0604020202020204" pitchFamily="34" charset="0"/>
+              <a:buChar char="•"/>
+            </a:pPr>
+            <a:r>
+              <a:rPr lang="en-US" dirty="0">
                 <a:latin typeface="Times New Roman" panose="02020603050405020304" pitchFamily="18" charset="0"/>
-                <a:ea typeface="Times New Roman" panose="02020603050405020304" pitchFamily="18" charset="0"/>
+                <a:cs typeface="Times New Roman" panose="02020603050405020304" pitchFamily="18" charset="0"/>
               </a:rPr>
-              <a:t>Numpy</a:t>
-            </a:r>
-            <a:r>
-              <a:rPr lang="en-US" sz="2400" i="1" dirty="0">
-                <a:effectLst/>
+              <a:t>Linear regression 1: platform creator, publisher, genre</a:t>
+            </a:r>
+          </a:p>
+          <a:p>
+            <a:pPr marL="457200" indent="-457200">
+              <a:buFont typeface="Arial" panose="020B0604020202020204" pitchFamily="34" charset="0"/>
+              <a:buChar char="•"/>
+            </a:pPr>
+            <a:r>
+              <a:rPr lang="en-US" dirty="0">
                 <a:latin typeface="Times New Roman" panose="02020603050405020304" pitchFamily="18" charset="0"/>
-                <a:ea typeface="Times New Roman" panose="02020603050405020304" pitchFamily="18" charset="0"/>
+                <a:cs typeface="Times New Roman" panose="02020603050405020304" pitchFamily="18" charset="0"/>
               </a:rPr>
-              <a:t>, Matplotlib, and Seaborn </a:t>
-            </a:r>
-            <a:r>
-              <a:rPr lang="en-US" sz="2400" dirty="0">
-                <a:effectLst/>
+              <a:t>Linear regression 2: NA, EU, JP, and other sales</a:t>
+            </a:r>
+          </a:p>
+          <a:p>
+            <a:pPr marL="457200" indent="-457200">
+              <a:buFont typeface="Arial" panose="020B0604020202020204" pitchFamily="34" charset="0"/>
+              <a:buChar char="•"/>
+            </a:pPr>
+            <a:r>
+              <a:rPr lang="en-US" dirty="0">
                 <a:latin typeface="Times New Roman" panose="02020603050405020304" pitchFamily="18" charset="0"/>
-                <a:ea typeface="Times New Roman" panose="02020603050405020304" pitchFamily="18" charset="0"/>
+                <a:cs typeface="Times New Roman" panose="02020603050405020304" pitchFamily="18" charset="0"/>
               </a:rPr>
-              <a:t>were used. Building the models involved </a:t>
-            </a:r>
-            <a:r>
-              <a:rPr lang="en-US" sz="2400" i="1" dirty="0">
-                <a:effectLst/>
+              <a:t>Linear regression 3: platform creator, publisher, genre, and one of the four sales regions</a:t>
+            </a:r>
+          </a:p>
+          <a:p>
+            <a:r>
+              <a:rPr lang="en-US" dirty="0">
                 <a:latin typeface="Times New Roman" panose="02020603050405020304" pitchFamily="18" charset="0"/>
-                <a:ea typeface="Times New Roman" panose="02020603050405020304" pitchFamily="18" charset="0"/>
+                <a:cs typeface="Times New Roman" panose="02020603050405020304" pitchFamily="18" charset="0"/>
               </a:rPr>
-              <a:t>Pandas and </a:t>
-            </a:r>
-            <a:r>
-              <a:rPr lang="en-US" sz="2400" i="1" dirty="0" err="1">
-                <a:effectLst/>
+              <a:t>Two random forests were created</a:t>
+            </a:r>
+          </a:p>
+          <a:p>
+            <a:pPr marL="457200" indent="-457200">
+              <a:buFont typeface="Arial" panose="020B0604020202020204" pitchFamily="34" charset="0"/>
+              <a:buChar char="•"/>
+            </a:pPr>
+            <a:r>
+              <a:rPr lang="en-US" dirty="0">
                 <a:latin typeface="Times New Roman" panose="02020603050405020304" pitchFamily="18" charset="0"/>
-                <a:ea typeface="Times New Roman" panose="02020603050405020304" pitchFamily="18" charset="0"/>
+                <a:cs typeface="Times New Roman" panose="02020603050405020304" pitchFamily="18" charset="0"/>
               </a:rPr>
-              <a:t>SciKit</a:t>
-            </a:r>
-            <a:r>
-              <a:rPr lang="en-US" sz="2400" i="1" dirty="0">
-                <a:effectLst/>
+              <a:t>Random forest 1: platform creator, publisher, genre</a:t>
+            </a:r>
+          </a:p>
+          <a:p>
+            <a:pPr marL="457200" indent="-457200">
+              <a:buFont typeface="Arial" panose="020B0604020202020204" pitchFamily="34" charset="0"/>
+              <a:buChar char="•"/>
+            </a:pPr>
+            <a:r>
+              <a:rPr lang="en-US" dirty="0">
                 <a:latin typeface="Times New Roman" panose="02020603050405020304" pitchFamily="18" charset="0"/>
-                <a:ea typeface="Times New Roman" panose="02020603050405020304" pitchFamily="18" charset="0"/>
+                <a:cs typeface="Times New Roman" panose="02020603050405020304" pitchFamily="18" charset="0"/>
               </a:rPr>
-              <a:t>-Learn</a:t>
-            </a:r>
-            <a:r>
-              <a:rPr lang="en-US" sz="2400" dirty="0">
-                <a:effectLst/>
+              <a:t>Random forest 2: platform creator, publisher, genre, North American sales</a:t>
+            </a:r>
+          </a:p>
+          <a:p>
+            <a:endParaRPr lang="en-US" dirty="0">
+              <a:latin typeface="Times New Roman" panose="02020603050405020304" pitchFamily="18" charset="0"/>
+              <a:cs typeface="Times New Roman" panose="02020603050405020304" pitchFamily="18" charset="0"/>
+            </a:endParaRPr>
+          </a:p>
+          <a:p>
+            <a:r>
+              <a:rPr lang="en-US" dirty="0">
                 <a:latin typeface="Times New Roman" panose="02020603050405020304" pitchFamily="18" charset="0"/>
-                <a:ea typeface="Times New Roman" panose="02020603050405020304" pitchFamily="18" charset="0"/>
+                <a:cs typeface="Times New Roman" panose="02020603050405020304" pitchFamily="18" charset="0"/>
               </a:rPr>
-              <a:t>. (</a:t>
-            </a:r>
-            <a:r>
-              <a:rPr lang="en-US" sz="2400" b="1" dirty="0">
-                <a:effectLst/>
-                <a:latin typeface="Times New Roman" panose="02020603050405020304" pitchFamily="18" charset="0"/>
-                <a:ea typeface="Times New Roman" panose="02020603050405020304" pitchFamily="18" charset="0"/>
-              </a:rPr>
-              <a:t>There will be more to follow here after building out the Random Forest). </a:t>
-            </a:r>
-            <a:r>
-              <a:rPr lang="en-US" sz="2400" dirty="0">
-                <a:effectLst/>
-                <a:latin typeface="Times New Roman" panose="02020603050405020304" pitchFamily="18" charset="0"/>
-                <a:ea typeface="Times New Roman" panose="02020603050405020304" pitchFamily="18" charset="0"/>
-              </a:rPr>
-              <a:t>The code will be made available on GitHub through the following public repository [3].</a:t>
-            </a:r>
-          </a:p>
-          <a:p>
-            <a:pPr marL="0" marR="0"/>
-            <a:endParaRPr lang="en-US" sz="2400" dirty="0">
-              <a:effectLst/>
+              <a:t>The primary metrics for evaluation were Mean Squared Error (MSE) and an R2 score </a:t>
+            </a:r>
+          </a:p>
+          <a:p>
+            <a:endParaRPr lang="en-US" dirty="0">
               <a:latin typeface="Times New Roman" panose="02020603050405020304" pitchFamily="18" charset="0"/>
-              <a:ea typeface="Times New Roman" panose="02020603050405020304" pitchFamily="18" charset="0"/>
+              <a:cs typeface="Times New Roman" panose="02020603050405020304" pitchFamily="18" charset="0"/>
             </a:endParaRPr>
-          </a:p>
-          <a:p>
-            <a:pPr marL="0" marR="0"/>
-            <a:r>
-              <a:rPr lang="en-US" sz="2400" dirty="0">
-                <a:effectLst/>
-                <a:latin typeface="Times New Roman" panose="02020603050405020304" pitchFamily="18" charset="0"/>
-                <a:ea typeface="Times New Roman" panose="02020603050405020304" pitchFamily="18" charset="0"/>
-              </a:rPr>
-              <a:t>The dataset [2] contains a list of video games with sales greater than 100,000 copies. Fields include rank, name, platform, year, genre, and publisher. Fields also list sales from North America, Europe, Japan, and other countries, with a global sales field summing the prior. The data was gathered by scraping the website </a:t>
-            </a:r>
-            <a:r>
-              <a:rPr lang="en-US" sz="2400" dirty="0" err="1">
-                <a:effectLst/>
-                <a:latin typeface="Times New Roman" panose="02020603050405020304" pitchFamily="18" charset="0"/>
-                <a:ea typeface="Times New Roman" panose="02020603050405020304" pitchFamily="18" charset="0"/>
-              </a:rPr>
-              <a:t>vgchartz.com</a:t>
-            </a:r>
-            <a:r>
-              <a:rPr lang="en-US" sz="2400" dirty="0">
-                <a:effectLst/>
-                <a:latin typeface="Times New Roman" panose="02020603050405020304" pitchFamily="18" charset="0"/>
-                <a:ea typeface="Times New Roman" panose="02020603050405020304" pitchFamily="18" charset="0"/>
-              </a:rPr>
-              <a:t>. There are 16,598 records. The rank column was nothing more than just an incremental number ordered from greatest global sales of a video game to the least global sales. There was not much use found to that column, so it was not used in the analysis. There were also 329 missing values found, 271 coming from the year column, and 58 coming from the publisher column. A year attribute will not have much of an effect on our analysis and would be hard to correct without searching for every game and correcting. A publisher is needed for the analysis but would again be hard to correct without researching for each. With a total of 16,598 entries the rows with missing values could be dropped, with the dataset now containing 16,291 entries. The percentage of missing values in year and publisher columns was relatively small (1.63% and 0.35% respectively), so this approach shouldn't significantly impact the overall analysis.</a:t>
-            </a:r>
-          </a:p>
-          <a:p>
-            <a:endParaRPr lang="en-US" sz="2400" dirty="0"/>
-          </a:p>
-        </p:txBody>
-      </p:sp>
-      <p:sp>
-        <p:nvSpPr>
-          <p:cNvPr id="15" name="Text Placeholder 14">
-            <a:extLst>
-              <a:ext uri="{FF2B5EF4-FFF2-40B4-BE49-F238E27FC236}">
-                <a16:creationId xmlns:a16="http://schemas.microsoft.com/office/drawing/2014/main" id="{573F2124-F9EB-C443-9990-BDE8295F860C}"/>
-              </a:ext>
-            </a:extLst>
-          </p:cNvPr>
-          <p:cNvSpPr>
-            <a:spLocks noGrp="1"/>
-          </p:cNvSpPr>
-          <p:nvPr>
-            <p:ph type="body" sz="quarter" idx="25"/>
-          </p:nvPr>
-        </p:nvSpPr>
-        <p:spPr>
-          <a:xfrm>
-            <a:off x="22555203" y="17148879"/>
-            <a:ext cx="10058400" cy="10341293"/>
-          </a:xfrm>
-        </p:spPr>
-        <p:txBody>
-          <a:bodyPr/>
-          <a:lstStyle/>
-          <a:p>
-            <a:pPr marL="0" marR="0"/>
-            <a:r>
-              <a:rPr lang="en-US" sz="2400" dirty="0">
-                <a:effectLst/>
-                <a:latin typeface="Times New Roman" panose="02020603050405020304" pitchFamily="18" charset="0"/>
-                <a:ea typeface="Times New Roman" panose="02020603050405020304" pitchFamily="18" charset="0"/>
-              </a:rPr>
-              <a:t>The first linear regression model reported.</a:t>
-            </a:r>
-          </a:p>
-          <a:p>
-            <a:pPr marL="342900" marR="0" lvl="0" indent="-342900">
-              <a:buFont typeface="Times New Roman" panose="02020603050405020304" pitchFamily="18" charset="0"/>
-              <a:buChar char="-"/>
-            </a:pPr>
-            <a:r>
-              <a:rPr lang="en-US" sz="2400" dirty="0">
-                <a:effectLst/>
-                <a:latin typeface="Times New Roman" panose="02020603050405020304" pitchFamily="18" charset="0"/>
-                <a:ea typeface="Times New Roman" panose="02020603050405020304" pitchFamily="18" charset="0"/>
-              </a:rPr>
-              <a:t>MSE = 1.01 × 10</a:t>
-            </a:r>
-            <a:r>
-              <a:rPr lang="en-US" sz="2400" baseline="30000" dirty="0">
-                <a:effectLst/>
-                <a:latin typeface="Times New Roman" panose="02020603050405020304" pitchFamily="18" charset="0"/>
-                <a:ea typeface="Times New Roman" panose="02020603050405020304" pitchFamily="18" charset="0"/>
-              </a:rPr>
-              <a:t>23</a:t>
-            </a:r>
-            <a:r>
-              <a:rPr lang="en-US" sz="2400" dirty="0">
-                <a:effectLst/>
-                <a:latin typeface="Times New Roman" panose="02020603050405020304" pitchFamily="18" charset="0"/>
-                <a:ea typeface="Times New Roman" panose="02020603050405020304" pitchFamily="18" charset="0"/>
-              </a:rPr>
-              <a:t> </a:t>
-            </a:r>
-          </a:p>
-          <a:p>
-            <a:pPr marL="342900" marR="0" lvl="0" indent="-342900">
-              <a:buFont typeface="Times New Roman" panose="02020603050405020304" pitchFamily="18" charset="0"/>
-              <a:buChar char="-"/>
-            </a:pPr>
-            <a:r>
-              <a:rPr lang="en-US" sz="2400" dirty="0">
-                <a:effectLst/>
-                <a:latin typeface="Times New Roman" panose="02020603050405020304" pitchFamily="18" charset="0"/>
-                <a:ea typeface="Times New Roman" panose="02020603050405020304" pitchFamily="18" charset="0"/>
-              </a:rPr>
-              <a:t>R</a:t>
-            </a:r>
-            <a:r>
-              <a:rPr lang="en-US" sz="2400" baseline="30000" dirty="0">
-                <a:effectLst/>
-                <a:latin typeface="Times New Roman" panose="02020603050405020304" pitchFamily="18" charset="0"/>
-                <a:ea typeface="Times New Roman" panose="02020603050405020304" pitchFamily="18" charset="0"/>
-              </a:rPr>
-              <a:t>2</a:t>
-            </a:r>
-            <a:r>
-              <a:rPr lang="en-US" sz="2400" dirty="0">
-                <a:effectLst/>
-                <a:latin typeface="Times New Roman" panose="02020603050405020304" pitchFamily="18" charset="0"/>
-                <a:ea typeface="Times New Roman" panose="02020603050405020304" pitchFamily="18" charset="0"/>
-              </a:rPr>
-              <a:t> = -2.36 × 10</a:t>
-            </a:r>
-            <a:r>
-              <a:rPr lang="en-US" sz="2400" baseline="30000" dirty="0">
-                <a:effectLst/>
-                <a:latin typeface="Times New Roman" panose="02020603050405020304" pitchFamily="18" charset="0"/>
-                <a:ea typeface="Times New Roman" panose="02020603050405020304" pitchFamily="18" charset="0"/>
-              </a:rPr>
-              <a:t>22</a:t>
-            </a:r>
-            <a:endParaRPr lang="en-US" sz="2400" dirty="0">
-              <a:effectLst/>
-              <a:latin typeface="Times New Roman" panose="02020603050405020304" pitchFamily="18" charset="0"/>
-              <a:ea typeface="Times New Roman" panose="02020603050405020304" pitchFamily="18" charset="0"/>
-            </a:endParaRPr>
-          </a:p>
-          <a:p>
-            <a:pPr marL="0" marR="0"/>
-            <a:r>
-              <a:rPr lang="en-US" sz="2400" dirty="0">
-                <a:effectLst/>
-                <a:latin typeface="Times New Roman" panose="02020603050405020304" pitchFamily="18" charset="0"/>
-                <a:ea typeface="Times New Roman" panose="02020603050405020304" pitchFamily="18" charset="0"/>
-              </a:rPr>
-              <a:t>These results would suggest the model was not an appropriate fit when using the predictors genre, publisher, and platform creator. This outcome is likely due to the non-linear relationships between the features and our target variable.</a:t>
-            </a:r>
-          </a:p>
-          <a:p>
-            <a:pPr marL="0" marR="0"/>
-            <a:r>
-              <a:rPr lang="en-US" sz="2400" dirty="0">
-                <a:effectLst/>
-                <a:latin typeface="Times New Roman" panose="02020603050405020304" pitchFamily="18" charset="0"/>
-                <a:ea typeface="Times New Roman" panose="02020603050405020304" pitchFamily="18" charset="0"/>
-              </a:rPr>
-              <a:t>The second linear regression model reported.</a:t>
-            </a:r>
-          </a:p>
-          <a:p>
-            <a:pPr marL="342900" marR="0" lvl="0" indent="-342900">
-              <a:buFont typeface="Times New Roman" panose="02020603050405020304" pitchFamily="18" charset="0"/>
-              <a:buChar char="-"/>
-            </a:pPr>
-            <a:r>
-              <a:rPr lang="en-US" sz="2400" dirty="0">
-                <a:effectLst/>
-                <a:latin typeface="Times New Roman" panose="02020603050405020304" pitchFamily="18" charset="0"/>
-                <a:ea typeface="Times New Roman" panose="02020603050405020304" pitchFamily="18" charset="0"/>
-              </a:rPr>
-              <a:t>MSE = 2.87 × 10</a:t>
-            </a:r>
-            <a:r>
-              <a:rPr lang="en-US" sz="2400" baseline="30000" dirty="0">
-                <a:effectLst/>
-                <a:latin typeface="Times New Roman" panose="02020603050405020304" pitchFamily="18" charset="0"/>
-                <a:ea typeface="Times New Roman" panose="02020603050405020304" pitchFamily="18" charset="0"/>
-              </a:rPr>
-              <a:t>-5</a:t>
-            </a:r>
-            <a:endParaRPr lang="en-US" sz="2400" dirty="0">
-              <a:effectLst/>
-              <a:latin typeface="Times New Roman" panose="02020603050405020304" pitchFamily="18" charset="0"/>
-              <a:ea typeface="Times New Roman" panose="02020603050405020304" pitchFamily="18" charset="0"/>
-            </a:endParaRPr>
-          </a:p>
-          <a:p>
-            <a:pPr marL="342900" marR="0" lvl="0" indent="-342900">
-              <a:buFont typeface="Times New Roman" panose="02020603050405020304" pitchFamily="18" charset="0"/>
-              <a:buChar char="-"/>
-            </a:pPr>
-            <a:r>
-              <a:rPr lang="en-US" sz="2400" dirty="0">
-                <a:effectLst/>
-                <a:latin typeface="Times New Roman" panose="02020603050405020304" pitchFamily="18" charset="0"/>
-                <a:ea typeface="Times New Roman" panose="02020603050405020304" pitchFamily="18" charset="0"/>
-              </a:rPr>
-              <a:t>R</a:t>
-            </a:r>
-            <a:r>
-              <a:rPr lang="en-US" sz="2400" baseline="30000" dirty="0">
-                <a:effectLst/>
-                <a:latin typeface="Times New Roman" panose="02020603050405020304" pitchFamily="18" charset="0"/>
-                <a:ea typeface="Times New Roman" panose="02020603050405020304" pitchFamily="18" charset="0"/>
-              </a:rPr>
-              <a:t>2</a:t>
-            </a:r>
-            <a:r>
-              <a:rPr lang="en-US" sz="2400" dirty="0">
-                <a:effectLst/>
-                <a:latin typeface="Times New Roman" panose="02020603050405020304" pitchFamily="18" charset="0"/>
-                <a:ea typeface="Times New Roman" panose="02020603050405020304" pitchFamily="18" charset="0"/>
-              </a:rPr>
-              <a:t> = 0.9999932860147335</a:t>
-            </a:r>
-          </a:p>
-          <a:p>
-            <a:pPr marL="0" marR="0"/>
-            <a:r>
-              <a:rPr lang="en-US" sz="2400" dirty="0">
-                <a:effectLst/>
-                <a:latin typeface="Times New Roman" panose="02020603050405020304" pitchFamily="18" charset="0"/>
-                <a:ea typeface="Times New Roman" panose="02020603050405020304" pitchFamily="18" charset="0"/>
-              </a:rPr>
-              <a:t>As a reminder the features used in this model were all the regional sales data and targeted to predict the global sales data. The model fits very well. This result is expected however, as global sales are directly correlated with the sum of regional sales. The model is tailored to the data and is not of much use.</a:t>
-            </a:r>
-          </a:p>
-          <a:p>
-            <a:pPr marL="0" marR="0"/>
-            <a:r>
-              <a:rPr lang="en-US" sz="2400" dirty="0">
-                <a:effectLst/>
-                <a:latin typeface="Times New Roman" panose="02020603050405020304" pitchFamily="18" charset="0"/>
-                <a:ea typeface="Times New Roman" panose="02020603050405020304" pitchFamily="18" charset="0"/>
-              </a:rPr>
-              <a:t>The third linear regression model reported.</a:t>
-            </a:r>
-          </a:p>
-          <a:p>
-            <a:pPr marL="342900" marR="0" lvl="0" indent="-342900">
-              <a:buFont typeface="Times New Roman" panose="02020603050405020304" pitchFamily="18" charset="0"/>
-              <a:buChar char="-"/>
-            </a:pPr>
-            <a:r>
-              <a:rPr lang="en-US" sz="2400" dirty="0" err="1">
-                <a:effectLst/>
-                <a:latin typeface="Times New Roman" panose="02020603050405020304" pitchFamily="18" charset="0"/>
-                <a:ea typeface="Times New Roman" panose="02020603050405020304" pitchFamily="18" charset="0"/>
-              </a:rPr>
-              <a:t>NA_Sales</a:t>
-            </a:r>
-            <a:r>
-              <a:rPr lang="en-US" sz="2400" dirty="0">
-                <a:effectLst/>
-                <a:latin typeface="Times New Roman" panose="02020603050405020304" pitchFamily="18" charset="0"/>
-                <a:ea typeface="Times New Roman" panose="02020603050405020304" pitchFamily="18" charset="0"/>
-              </a:rPr>
-              <a:t>: MSE: 0.316, R</a:t>
-            </a:r>
-            <a:r>
-              <a:rPr lang="en-US" sz="2400" baseline="30000" dirty="0">
-                <a:effectLst/>
-                <a:latin typeface="Times New Roman" panose="02020603050405020304" pitchFamily="18" charset="0"/>
-                <a:ea typeface="Times New Roman" panose="02020603050405020304" pitchFamily="18" charset="0"/>
-              </a:rPr>
-              <a:t>2</a:t>
-            </a:r>
-            <a:r>
-              <a:rPr lang="en-US" sz="2400" dirty="0">
-                <a:effectLst/>
-                <a:latin typeface="Times New Roman" panose="02020603050405020304" pitchFamily="18" charset="0"/>
-                <a:ea typeface="Times New Roman" panose="02020603050405020304" pitchFamily="18" charset="0"/>
-              </a:rPr>
-              <a:t>: 0.925</a:t>
-            </a:r>
-          </a:p>
-          <a:p>
-            <a:pPr marL="342900" marR="0" lvl="0" indent="-342900">
-              <a:buFont typeface="Times New Roman" panose="02020603050405020304" pitchFamily="18" charset="0"/>
-              <a:buChar char="-"/>
-            </a:pPr>
-            <a:r>
-              <a:rPr lang="en-US" sz="2400" dirty="0" err="1">
-                <a:effectLst/>
-                <a:latin typeface="Times New Roman" panose="02020603050405020304" pitchFamily="18" charset="0"/>
-                <a:ea typeface="Times New Roman" panose="02020603050405020304" pitchFamily="18" charset="0"/>
-              </a:rPr>
-              <a:t>EU_Sales</a:t>
-            </a:r>
-            <a:r>
-              <a:rPr lang="en-US" sz="2400" dirty="0">
-                <a:effectLst/>
-                <a:latin typeface="Times New Roman" panose="02020603050405020304" pitchFamily="18" charset="0"/>
-                <a:ea typeface="Times New Roman" panose="02020603050405020304" pitchFamily="18" charset="0"/>
-              </a:rPr>
-              <a:t>: MSE: 0.343, R</a:t>
-            </a:r>
-            <a:r>
-              <a:rPr lang="en-US" sz="2400" baseline="30000" dirty="0">
-                <a:effectLst/>
-                <a:latin typeface="Times New Roman" panose="02020603050405020304" pitchFamily="18" charset="0"/>
-                <a:ea typeface="Times New Roman" panose="02020603050405020304" pitchFamily="18" charset="0"/>
-              </a:rPr>
-              <a:t>2</a:t>
-            </a:r>
-            <a:r>
-              <a:rPr lang="en-US" sz="2400" dirty="0">
-                <a:effectLst/>
-                <a:latin typeface="Times New Roman" panose="02020603050405020304" pitchFamily="18" charset="0"/>
-                <a:ea typeface="Times New Roman" panose="02020603050405020304" pitchFamily="18" charset="0"/>
-              </a:rPr>
-              <a:t>: 0.919</a:t>
-            </a:r>
-          </a:p>
-          <a:p>
-            <a:pPr marL="342900" marR="0" lvl="0" indent="-342900">
-              <a:buFont typeface="Times New Roman" panose="02020603050405020304" pitchFamily="18" charset="0"/>
-              <a:buChar char="-"/>
-            </a:pPr>
-            <a:r>
-              <a:rPr lang="en-US" sz="2400" dirty="0" err="1">
-                <a:effectLst/>
-                <a:latin typeface="Times New Roman" panose="02020603050405020304" pitchFamily="18" charset="0"/>
-                <a:ea typeface="Times New Roman" panose="02020603050405020304" pitchFamily="18" charset="0"/>
-              </a:rPr>
-              <a:t>JP_Sales</a:t>
-            </a:r>
-            <a:r>
-              <a:rPr lang="en-US" sz="2400" dirty="0">
-                <a:effectLst/>
-                <a:latin typeface="Times New Roman" panose="02020603050405020304" pitchFamily="18" charset="0"/>
-                <a:ea typeface="Times New Roman" panose="02020603050405020304" pitchFamily="18" charset="0"/>
-              </a:rPr>
-              <a:t>: MSE: 2.779, R</a:t>
-            </a:r>
-            <a:r>
-              <a:rPr lang="en-US" sz="2400" baseline="30000" dirty="0">
-                <a:effectLst/>
-                <a:latin typeface="Times New Roman" panose="02020603050405020304" pitchFamily="18" charset="0"/>
-                <a:ea typeface="Times New Roman" panose="02020603050405020304" pitchFamily="18" charset="0"/>
-              </a:rPr>
-              <a:t>2</a:t>
-            </a:r>
-            <a:r>
-              <a:rPr lang="en-US" sz="2400" dirty="0">
-                <a:effectLst/>
-                <a:latin typeface="Times New Roman" panose="02020603050405020304" pitchFamily="18" charset="0"/>
-                <a:ea typeface="Times New Roman" panose="02020603050405020304" pitchFamily="18" charset="0"/>
-              </a:rPr>
-              <a:t>: 0.350</a:t>
-            </a:r>
-          </a:p>
-          <a:p>
-            <a:pPr marL="342900" marR="0" lvl="0" indent="-342900">
-              <a:buFont typeface="Times New Roman" panose="02020603050405020304" pitchFamily="18" charset="0"/>
-              <a:buChar char="-"/>
-            </a:pPr>
-            <a:r>
-              <a:rPr lang="en-US" sz="2400" dirty="0" err="1">
-                <a:effectLst/>
-                <a:latin typeface="Times New Roman" panose="02020603050405020304" pitchFamily="18" charset="0"/>
-                <a:ea typeface="Times New Roman" panose="02020603050405020304" pitchFamily="18" charset="0"/>
-              </a:rPr>
-              <a:t>Other_Sales</a:t>
-            </a:r>
-            <a:r>
-              <a:rPr lang="en-US" sz="2400" dirty="0">
-                <a:effectLst/>
-                <a:latin typeface="Times New Roman" panose="02020603050405020304" pitchFamily="18" charset="0"/>
-                <a:ea typeface="Times New Roman" panose="02020603050405020304" pitchFamily="18" charset="0"/>
-              </a:rPr>
-              <a:t>: MSE: 1.280, R</a:t>
-            </a:r>
-            <a:r>
-              <a:rPr lang="en-US" sz="2400" baseline="30000" dirty="0">
-                <a:effectLst/>
-                <a:latin typeface="Times New Roman" panose="02020603050405020304" pitchFamily="18" charset="0"/>
-                <a:ea typeface="Times New Roman" panose="02020603050405020304" pitchFamily="18" charset="0"/>
-              </a:rPr>
-              <a:t>2</a:t>
-            </a:r>
-            <a:r>
-              <a:rPr lang="en-US" sz="2400" dirty="0">
-                <a:effectLst/>
-                <a:latin typeface="Times New Roman" panose="02020603050405020304" pitchFamily="18" charset="0"/>
-                <a:ea typeface="Times New Roman" panose="02020603050405020304" pitchFamily="18" charset="0"/>
-              </a:rPr>
-              <a:t>: 0.700</a:t>
-            </a:r>
-          </a:p>
-          <a:p>
-            <a:endParaRPr lang="en-US" sz="2400" dirty="0"/>
-          </a:p>
-          <a:p>
-            <a:endParaRPr lang="en-US" sz="2400" dirty="0"/>
-          </a:p>
-          <a:p>
-            <a:r>
-              <a:rPr lang="en-US" sz="2400" dirty="0"/>
-              <a:t>Needing to complete the random forest analysis and add graphs</a:t>
-            </a:r>
           </a:p>
         </p:txBody>
       </p:sp>
@@ -7680,17 +7322,39 @@
         </p:nvSpPr>
         <p:spPr>
           <a:xfrm>
-            <a:off x="33375600" y="5703005"/>
-            <a:ext cx="10058400" cy="1231106"/>
+            <a:off x="33416892" y="15112386"/>
+            <a:ext cx="10058400" cy="4875181"/>
           </a:xfrm>
         </p:spPr>
         <p:txBody>
           <a:bodyPr/>
           <a:lstStyle/>
           <a:p>
-            <a:r>
-              <a:rPr lang="en-US" dirty="0"/>
-              <a:t>Needing to still finish</a:t>
+            <a:pPr marL="0" marR="0"/>
+            <a:r>
+              <a:rPr lang="en-US" dirty="0">
+                <a:effectLst/>
+                <a:latin typeface="Times New Roman" panose="02020603050405020304" pitchFamily="18" charset="0"/>
+                <a:ea typeface="Times New Roman" panose="02020603050405020304" pitchFamily="18" charset="0"/>
+              </a:rPr>
+              <a:t>The first random forest model still does not perform very well in making predictions with solely platform creator, genre, and publisher. Figure 4 shows the features the model is deeming important in making decisions.</a:t>
+            </a:r>
+          </a:p>
+          <a:p>
+            <a:pPr marL="0" marR="0"/>
+            <a:endParaRPr lang="en-US" dirty="0">
+              <a:latin typeface="Times New Roman" panose="02020603050405020304" pitchFamily="18" charset="0"/>
+              <a:ea typeface="Times New Roman" panose="02020603050405020304" pitchFamily="18" charset="0"/>
+            </a:endParaRPr>
+          </a:p>
+          <a:p>
+            <a:r>
+              <a:rPr lang="en-US" dirty="0">
+                <a:effectLst/>
+                <a:latin typeface="Times New Roman" panose="02020603050405020304" pitchFamily="18" charset="0"/>
+                <a:ea typeface="Times New Roman" panose="02020603050405020304" pitchFamily="18" charset="0"/>
+              </a:rPr>
+              <a:t>The second random forest model performed much better again suggesting the regional sales is highly predictive of global sales. </a:t>
             </a:r>
           </a:p>
         </p:txBody>
@@ -7713,8 +7377,8 @@
         </p:nvSpPr>
         <p:spPr>
           <a:xfrm>
-            <a:off x="33172400" y="25705068"/>
-            <a:ext cx="10058400" cy="1785104"/>
+            <a:off x="33134732" y="28679734"/>
+            <a:ext cx="10058400" cy="4136517"/>
           </a:xfrm>
         </p:spPr>
         <p:txBody>
@@ -7726,17 +7390,89 @@
               <a:buAutoNum type="arabicPeriod"/>
             </a:pPr>
             <a:r>
-              <a:rPr lang="en-US" sz="2000" u="sng" dirty="0">
+              <a:rPr lang="en-US" u="sng" dirty="0">
                 <a:solidFill>
                   <a:srgbClr val="467886"/>
                 </a:solidFill>
                 <a:effectLst/>
                 <a:latin typeface="Times New Roman" panose="02020603050405020304" pitchFamily="18" charset="0"/>
                 <a:ea typeface="Times New Roman" panose="02020603050405020304" pitchFamily="18" charset="0"/>
-                <a:hlinkClick r:id="rId2"/>
+                <a:hlinkClick r:id="rId3"/>
               </a:rPr>
               <a:t>https://www.statista.com/statistics/1344668/revenue-video-game-worldwide/</a:t>
             </a:r>
+            <a:endParaRPr lang="en-US" dirty="0">
+              <a:effectLst/>
+              <a:latin typeface="Times New Roman" panose="02020603050405020304" pitchFamily="18" charset="0"/>
+              <a:ea typeface="Times New Roman" panose="02020603050405020304" pitchFamily="18" charset="0"/>
+            </a:endParaRPr>
+          </a:p>
+          <a:p>
+            <a:pPr marL="342900" marR="0" lvl="0" indent="-342900">
+              <a:buFont typeface="+mj-lt"/>
+              <a:buAutoNum type="arabicPeriod"/>
+            </a:pPr>
+            <a:r>
+              <a:rPr lang="en-US" dirty="0">
+                <a:effectLst/>
+                <a:latin typeface="Times New Roman" panose="02020603050405020304" pitchFamily="18" charset="0"/>
+                <a:ea typeface="Times New Roman" panose="02020603050405020304" pitchFamily="18" charset="0"/>
+                <a:hlinkClick r:id="rId4"/>
+              </a:rPr>
+              <a:t>https://www.kaggle.com/datasets/gregorut/videogamesales</a:t>
+            </a:r>
+            <a:endParaRPr lang="en-US" dirty="0">
+              <a:effectLst/>
+              <a:latin typeface="Times New Roman" panose="02020603050405020304" pitchFamily="18" charset="0"/>
+              <a:ea typeface="Times New Roman" panose="02020603050405020304" pitchFamily="18" charset="0"/>
+            </a:endParaRPr>
+          </a:p>
+          <a:p>
+            <a:pPr marL="342900" indent="-342900">
+              <a:buFont typeface="+mj-lt"/>
+              <a:buAutoNum type="arabicPeriod"/>
+            </a:pPr>
+            <a:r>
+              <a:rPr lang="en-US" dirty="0">
+                <a:solidFill>
+                  <a:srgbClr val="000000"/>
+                </a:solidFill>
+                <a:effectLst/>
+                <a:latin typeface="Times New Roman" panose="02020603050405020304" pitchFamily="18" charset="0"/>
+                <a:ea typeface="Times New Roman" panose="02020603050405020304" pitchFamily="18" charset="0"/>
+              </a:rPr>
+              <a:t>https://</a:t>
+            </a:r>
+            <a:r>
+              <a:rPr lang="en-US" dirty="0" err="1">
+                <a:solidFill>
+                  <a:srgbClr val="000000"/>
+                </a:solidFill>
+                <a:effectLst/>
+                <a:latin typeface="Times New Roman" panose="02020603050405020304" pitchFamily="18" charset="0"/>
+                <a:ea typeface="Times New Roman" panose="02020603050405020304" pitchFamily="18" charset="0"/>
+              </a:rPr>
+              <a:t>github.com</a:t>
+            </a:r>
+            <a:r>
+              <a:rPr lang="en-US" dirty="0">
+                <a:solidFill>
+                  <a:srgbClr val="000000"/>
+                </a:solidFill>
+                <a:effectLst/>
+                <a:latin typeface="Times New Roman" panose="02020603050405020304" pitchFamily="18" charset="0"/>
+                <a:ea typeface="Times New Roman" panose="02020603050405020304" pitchFamily="18" charset="0"/>
+              </a:rPr>
+              <a:t>/PhysicalBit7/Intro-to-Data-Science</a:t>
+            </a:r>
+            <a:endParaRPr lang="en-US" dirty="0">
+              <a:effectLst/>
+              <a:latin typeface="Times New Roman" panose="02020603050405020304" pitchFamily="18" charset="0"/>
+              <a:ea typeface="Times New Roman" panose="02020603050405020304" pitchFamily="18" charset="0"/>
+            </a:endParaRPr>
+          </a:p>
+          <a:p>
+            <a:pPr marR="0" lvl="0"/>
             <a:endParaRPr lang="en-US" sz="2000" dirty="0">
               <a:effectLst/>
               <a:latin typeface="Times New Roman" panose="02020603050405020304" pitchFamily="18" charset="0"/>
@@ -7744,135 +7480,16 @@
             </a:endParaRPr>
           </a:p>
           <a:p>
-            <a:pPr marL="342900" marR="0" lvl="0" indent="-342900">
-              <a:buFont typeface="+mj-lt"/>
-              <a:buAutoNum type="arabicPeriod"/>
-            </a:pPr>
-            <a:r>
-              <a:rPr lang="en-US" sz="2000" dirty="0">
-                <a:effectLst/>
-                <a:latin typeface="Times New Roman" panose="02020603050405020304" pitchFamily="18" charset="0"/>
-                <a:ea typeface="Times New Roman" panose="02020603050405020304" pitchFamily="18" charset="0"/>
-              </a:rPr>
-              <a:t>https://</a:t>
-            </a:r>
-            <a:r>
-              <a:rPr lang="en-US" sz="2000" dirty="0" err="1">
-                <a:effectLst/>
-                <a:latin typeface="Times New Roman" panose="02020603050405020304" pitchFamily="18" charset="0"/>
-                <a:ea typeface="Times New Roman" panose="02020603050405020304" pitchFamily="18" charset="0"/>
-              </a:rPr>
-              <a:t>www.kaggle.com</a:t>
-            </a:r>
-            <a:r>
-              <a:rPr lang="en-US" sz="2000" dirty="0">
-                <a:effectLst/>
-                <a:latin typeface="Times New Roman" panose="02020603050405020304" pitchFamily="18" charset="0"/>
-                <a:ea typeface="Times New Roman" panose="02020603050405020304" pitchFamily="18" charset="0"/>
-              </a:rPr>
-              <a:t>/datasets/</a:t>
-            </a:r>
-            <a:r>
-              <a:rPr lang="en-US" sz="2000" dirty="0" err="1">
-                <a:effectLst/>
-                <a:latin typeface="Times New Roman" panose="02020603050405020304" pitchFamily="18" charset="0"/>
-                <a:ea typeface="Times New Roman" panose="02020603050405020304" pitchFamily="18" charset="0"/>
-              </a:rPr>
-              <a:t>gregorut</a:t>
-            </a:r>
-            <a:r>
-              <a:rPr lang="en-US" sz="2000" dirty="0">
-                <a:effectLst/>
-                <a:latin typeface="Times New Roman" panose="02020603050405020304" pitchFamily="18" charset="0"/>
-                <a:ea typeface="Times New Roman" panose="02020603050405020304" pitchFamily="18" charset="0"/>
-              </a:rPr>
-              <a:t>/</a:t>
-            </a:r>
-            <a:r>
-              <a:rPr lang="en-US" sz="2000" dirty="0" err="1">
-                <a:effectLst/>
-                <a:latin typeface="Times New Roman" panose="02020603050405020304" pitchFamily="18" charset="0"/>
-                <a:ea typeface="Times New Roman" panose="02020603050405020304" pitchFamily="18" charset="0"/>
-              </a:rPr>
-              <a:t>videogamesales</a:t>
-            </a:r>
-            <a:endParaRPr lang="en-US" sz="2000" dirty="0">
-              <a:effectLst/>
-              <a:latin typeface="Times New Roman" panose="02020603050405020304" pitchFamily="18" charset="0"/>
-              <a:ea typeface="Times New Roman" panose="02020603050405020304" pitchFamily="18" charset="0"/>
-            </a:endParaRPr>
-          </a:p>
-          <a:p>
             <a:endParaRPr lang="en-US" sz="2000" dirty="0"/>
           </a:p>
         </p:txBody>
       </p:sp>
       <p:pic>
         <p:nvPicPr>
-          <p:cNvPr id="19" name="Picture 18">
+          <p:cNvPr id="11" name="Picture 10">
             <a:extLst>
               <a:ext uri="{FF2B5EF4-FFF2-40B4-BE49-F238E27FC236}">
-                <a16:creationId xmlns:a16="http://schemas.microsoft.com/office/drawing/2014/main" id="{1FF3101B-41AB-6815-3941-B18C38E09B16}"/>
-              </a:ext>
-            </a:extLst>
-          </p:cNvPr>
-          <p:cNvPicPr>
-            <a:picLocks noChangeAspect="1"/>
-          </p:cNvPicPr>
-          <p:nvPr/>
-        </p:nvPicPr>
-        <p:blipFill>
-          <a:blip r:embed="rId3"/>
-          <a:stretch>
-            <a:fillRect/>
-          </a:stretch>
-        </p:blipFill>
-        <p:spPr>
-          <a:xfrm>
-            <a:off x="1727056" y="19458525"/>
-            <a:ext cx="7416944" cy="11832686"/>
-          </a:xfrm>
-          <a:prstGeom prst="rect">
-            <a:avLst/>
-          </a:prstGeom>
-        </p:spPr>
-      </p:pic>
-      <p:pic>
-        <p:nvPicPr>
-          <p:cNvPr id="20" name="Picture 19">
-            <a:extLst>
-              <a:ext uri="{FF2B5EF4-FFF2-40B4-BE49-F238E27FC236}">
-                <a16:creationId xmlns:a16="http://schemas.microsoft.com/office/drawing/2014/main" id="{B3F360D5-64DE-CF73-B008-C3B6E1D21540}"/>
-              </a:ext>
-            </a:extLst>
-          </p:cNvPr>
-          <p:cNvPicPr>
-            <a:picLocks noChangeAspect="1"/>
-          </p:cNvPicPr>
-          <p:nvPr/>
-        </p:nvPicPr>
-        <p:blipFill>
-          <a:blip r:embed="rId4"/>
-          <a:stretch>
-            <a:fillRect/>
-          </a:stretch>
-        </p:blipFill>
-        <p:spPr>
-          <a:xfrm>
-            <a:off x="12293817" y="16630276"/>
-            <a:ext cx="8253868" cy="5656497"/>
-          </a:xfrm>
-          <a:prstGeom prst="rect">
-            <a:avLst/>
-          </a:prstGeom>
-        </p:spPr>
-      </p:pic>
-      <p:pic>
-        <p:nvPicPr>
-          <p:cNvPr id="21" name="Picture 20">
-            <a:extLst>
-              <a:ext uri="{FF2B5EF4-FFF2-40B4-BE49-F238E27FC236}">
-                <a16:creationId xmlns:a16="http://schemas.microsoft.com/office/drawing/2014/main" id="{E74A26DC-6686-0D8B-F573-069478CEBBD4}"/>
+                <a16:creationId xmlns:a16="http://schemas.microsoft.com/office/drawing/2014/main" id="{66FAF32B-C33C-FA0F-111A-7070B25E8CA7}"/>
               </a:ext>
             </a:extLst>
           </p:cNvPr>
@@ -7889,14 +7506,1171 @@
         </p:blipFill>
         <p:spPr>
           <a:xfrm>
-            <a:off x="13212182" y="4995442"/>
-            <a:ext cx="5608891" cy="11463758"/>
+            <a:off x="22641291" y="5766982"/>
+            <a:ext cx="9684771" cy="3735825"/>
           </a:xfrm>
           <a:prstGeom prst="rect">
             <a:avLst/>
           </a:prstGeom>
         </p:spPr>
       </p:pic>
+      <p:sp>
+        <p:nvSpPr>
+          <p:cNvPr id="25" name="Text Placeholder 13">
+            <a:extLst>
+              <a:ext uri="{FF2B5EF4-FFF2-40B4-BE49-F238E27FC236}">
+                <a16:creationId xmlns:a16="http://schemas.microsoft.com/office/drawing/2014/main" id="{6E238D18-10C2-F3DE-4C33-22297D306931}"/>
+              </a:ext>
+            </a:extLst>
+          </p:cNvPr>
+          <p:cNvSpPr txBox="1">
+            <a:spLocks/>
+          </p:cNvSpPr>
+          <p:nvPr/>
+        </p:nvSpPr>
+        <p:spPr>
+          <a:xfrm>
+            <a:off x="11361175" y="4658270"/>
+            <a:ext cx="10058400" cy="13049726"/>
+          </a:xfrm>
+          <a:prstGeom prst="rect">
+            <a:avLst/>
+          </a:prstGeom>
+        </p:spPr>
+        <p:txBody>
+          <a:bodyPr wrap="square" lIns="365760" tIns="365760" rIns="365760" bIns="365760">
+            <a:spAutoFit/>
+          </a:bodyPr>
+          <a:lstStyle>
+            <a:lvl1pPr marL="0" indent="0" algn="l" defTabSz="7802411" rtl="0" eaLnBrk="1" latinLnBrk="0" hangingPunct="1">
+              <a:spcBef>
+                <a:spcPct val="20000"/>
+              </a:spcBef>
+              <a:buFont typeface="Arial" pitchFamily="34" charset="0"/>
+              <a:buNone/>
+              <a:tabLst/>
+              <a:defRPr lang="en-US" sz="3200" kern="1200" dirty="0">
+                <a:solidFill>
+                  <a:schemeClr val="tx1"/>
+                </a:solidFill>
+                <a:latin typeface="+mn-lt"/>
+                <a:ea typeface="+mn-ea"/>
+                <a:cs typeface="+mn-cs"/>
+              </a:defRPr>
+            </a:lvl1pPr>
+            <a:lvl2pPr marL="461963" indent="-231775" algn="l" defTabSz="7802411" rtl="0" eaLnBrk="1" latinLnBrk="0" hangingPunct="1">
+              <a:spcBef>
+                <a:spcPct val="20000"/>
+              </a:spcBef>
+              <a:buFont typeface="Arial" pitchFamily="34" charset="0"/>
+              <a:buChar char="–"/>
+              <a:tabLst/>
+              <a:defRPr lang="en-US" sz="2400" kern="1200" dirty="0">
+                <a:solidFill>
+                  <a:schemeClr val="tx1"/>
+                </a:solidFill>
+                <a:latin typeface="+mn-lt"/>
+                <a:ea typeface="+mn-ea"/>
+                <a:cs typeface="+mn-cs"/>
+              </a:defRPr>
+            </a:lvl2pPr>
+            <a:lvl3pPr marL="461963" indent="-231775" algn="l" defTabSz="7802411" rtl="0" eaLnBrk="1" latinLnBrk="0" hangingPunct="1">
+              <a:spcBef>
+                <a:spcPct val="20000"/>
+              </a:spcBef>
+              <a:buFont typeface="Arial" pitchFamily="34" charset="0"/>
+              <a:buChar char="•"/>
+              <a:tabLst/>
+              <a:defRPr lang="en-US" sz="1800" kern="1200" dirty="0">
+                <a:solidFill>
+                  <a:schemeClr val="tx1"/>
+                </a:solidFill>
+                <a:latin typeface="+mn-lt"/>
+                <a:ea typeface="+mn-ea"/>
+                <a:cs typeface="+mn-cs"/>
+              </a:defRPr>
+            </a:lvl3pPr>
+            <a:lvl4pPr marL="461963" indent="-231775" algn="l" defTabSz="7802411" rtl="0" eaLnBrk="1" latinLnBrk="0" hangingPunct="1">
+              <a:spcBef>
+                <a:spcPct val="20000"/>
+              </a:spcBef>
+              <a:buFont typeface="Arial" pitchFamily="34" charset="0"/>
+              <a:buChar char="–"/>
+              <a:tabLst/>
+              <a:defRPr lang="en-US" sz="1200" kern="1200" dirty="0">
+                <a:solidFill>
+                  <a:schemeClr val="tx1"/>
+                </a:solidFill>
+                <a:latin typeface="+mn-lt"/>
+                <a:ea typeface="+mn-ea"/>
+                <a:cs typeface="+mn-cs"/>
+              </a:defRPr>
+            </a:lvl4pPr>
+            <a:lvl5pPr marL="461963" indent="-231775" algn="l" defTabSz="7802411" rtl="0" eaLnBrk="1" latinLnBrk="0" hangingPunct="1">
+              <a:spcBef>
+                <a:spcPct val="20000"/>
+              </a:spcBef>
+              <a:buFont typeface="Arial" pitchFamily="34" charset="0"/>
+              <a:buChar char="»"/>
+              <a:tabLst/>
+              <a:defRPr lang="en-US" sz="1200" kern="1200" dirty="0">
+                <a:solidFill>
+                  <a:schemeClr val="tx1"/>
+                </a:solidFill>
+                <a:latin typeface="+mn-lt"/>
+                <a:ea typeface="+mn-ea"/>
+                <a:cs typeface="+mn-cs"/>
+              </a:defRPr>
+            </a:lvl5pPr>
+            <a:lvl6pPr marL="21456635" indent="-1950605" algn="l" defTabSz="7802411" rtl="0" eaLnBrk="1" latinLnBrk="0" hangingPunct="1">
+              <a:spcBef>
+                <a:spcPct val="20000"/>
+              </a:spcBef>
+              <a:buFont typeface="Arial" pitchFamily="34" charset="0"/>
+              <a:buChar char="•"/>
+              <a:defRPr sz="17067" kern="1200">
+                <a:solidFill>
+                  <a:schemeClr val="tx1"/>
+                </a:solidFill>
+                <a:latin typeface="+mn-lt"/>
+                <a:ea typeface="+mn-ea"/>
+                <a:cs typeface="+mn-cs"/>
+              </a:defRPr>
+            </a:lvl6pPr>
+            <a:lvl7pPr marL="25357837" indent="-1950605" algn="l" defTabSz="7802411" rtl="0" eaLnBrk="1" latinLnBrk="0" hangingPunct="1">
+              <a:spcBef>
+                <a:spcPct val="20000"/>
+              </a:spcBef>
+              <a:buFont typeface="Arial" pitchFamily="34" charset="0"/>
+              <a:buChar char="•"/>
+              <a:defRPr sz="17067" kern="1200">
+                <a:solidFill>
+                  <a:schemeClr val="tx1"/>
+                </a:solidFill>
+                <a:latin typeface="+mn-lt"/>
+                <a:ea typeface="+mn-ea"/>
+                <a:cs typeface="+mn-cs"/>
+              </a:defRPr>
+            </a:lvl7pPr>
+            <a:lvl8pPr marL="29259046" indent="-1950605" algn="l" defTabSz="7802411" rtl="0" eaLnBrk="1" latinLnBrk="0" hangingPunct="1">
+              <a:spcBef>
+                <a:spcPct val="20000"/>
+              </a:spcBef>
+              <a:buFont typeface="Arial" pitchFamily="34" charset="0"/>
+              <a:buChar char="•"/>
+              <a:defRPr sz="17067" kern="1200">
+                <a:solidFill>
+                  <a:schemeClr val="tx1"/>
+                </a:solidFill>
+                <a:latin typeface="+mn-lt"/>
+                <a:ea typeface="+mn-ea"/>
+                <a:cs typeface="+mn-cs"/>
+              </a:defRPr>
+            </a:lvl8pPr>
+            <a:lvl9pPr marL="33160251" indent="-1950605" algn="l" defTabSz="7802411" rtl="0" eaLnBrk="1" latinLnBrk="0" hangingPunct="1">
+              <a:spcBef>
+                <a:spcPct val="20000"/>
+              </a:spcBef>
+              <a:buFont typeface="Arial" pitchFamily="34" charset="0"/>
+              <a:buChar char="•"/>
+              <a:defRPr sz="17067" kern="1200">
+                <a:solidFill>
+                  <a:schemeClr val="tx1"/>
+                </a:solidFill>
+                <a:latin typeface="+mn-lt"/>
+                <a:ea typeface="+mn-ea"/>
+                <a:cs typeface="+mn-cs"/>
+              </a:defRPr>
+            </a:lvl9pPr>
+          </a:lstStyle>
+          <a:p>
+            <a:r>
+              <a:rPr lang="en-US" dirty="0">
+                <a:latin typeface="Times New Roman" panose="02020603050405020304" pitchFamily="18" charset="0"/>
+                <a:cs typeface="Times New Roman" panose="02020603050405020304" pitchFamily="18" charset="0"/>
+              </a:rPr>
+              <a:t> </a:t>
+            </a:r>
+            <a:r>
+              <a:rPr lang="en-US" dirty="0">
+                <a:latin typeface="Times New Roman" panose="02020603050405020304" pitchFamily="18" charset="0"/>
+                <a:ea typeface="Times New Roman" panose="02020603050405020304" pitchFamily="18" charset="0"/>
+              </a:rPr>
+              <a:t>The language of choice in the analysis was Python. The following packages were used: Pandas, </a:t>
+            </a:r>
+            <a:r>
+              <a:rPr lang="en-US" dirty="0" err="1">
+                <a:latin typeface="Times New Roman" panose="02020603050405020304" pitchFamily="18" charset="0"/>
+                <a:ea typeface="Times New Roman" panose="02020603050405020304" pitchFamily="18" charset="0"/>
+              </a:rPr>
+              <a:t>Numpy</a:t>
+            </a:r>
+            <a:r>
+              <a:rPr lang="en-US" dirty="0">
+                <a:latin typeface="Times New Roman" panose="02020603050405020304" pitchFamily="18" charset="0"/>
+                <a:ea typeface="Times New Roman" panose="02020603050405020304" pitchFamily="18" charset="0"/>
+              </a:rPr>
+              <a:t>, Matplotlib, Seaborn, and </a:t>
+            </a:r>
+            <a:r>
+              <a:rPr lang="en-US" dirty="0" err="1">
+                <a:latin typeface="Times New Roman" panose="02020603050405020304" pitchFamily="18" charset="0"/>
+                <a:ea typeface="Times New Roman" panose="02020603050405020304" pitchFamily="18" charset="0"/>
+              </a:rPr>
+              <a:t>SciKit</a:t>
+            </a:r>
+            <a:r>
+              <a:rPr lang="en-US" dirty="0">
+                <a:latin typeface="Times New Roman" panose="02020603050405020304" pitchFamily="18" charset="0"/>
+                <a:ea typeface="Times New Roman" panose="02020603050405020304" pitchFamily="18" charset="0"/>
+              </a:rPr>
+              <a:t>-Learn</a:t>
+            </a:r>
+          </a:p>
+          <a:p>
+            <a:endParaRPr lang="en-US" i="1" dirty="0">
+              <a:latin typeface="Times New Roman" panose="02020603050405020304" pitchFamily="18" charset="0"/>
+              <a:ea typeface="Times New Roman" panose="02020603050405020304" pitchFamily="18" charset="0"/>
+            </a:endParaRPr>
+          </a:p>
+          <a:p>
+            <a:r>
+              <a:rPr lang="en-US" dirty="0">
+                <a:latin typeface="Times New Roman" panose="02020603050405020304" pitchFamily="18" charset="0"/>
+                <a:ea typeface="Times New Roman" panose="02020603050405020304" pitchFamily="18" charset="0"/>
+              </a:rPr>
+              <a:t>The source code has also been made available on GitHub through the following public repository [3].</a:t>
+            </a:r>
+          </a:p>
+          <a:p>
+            <a:endParaRPr lang="en-US" dirty="0">
+              <a:latin typeface="Times New Roman" panose="02020603050405020304" pitchFamily="18" charset="0"/>
+              <a:ea typeface="Times New Roman" panose="02020603050405020304" pitchFamily="18" charset="0"/>
+            </a:endParaRPr>
+          </a:p>
+          <a:p>
+            <a:r>
+              <a:rPr lang="en-US" dirty="0">
+                <a:latin typeface="Times New Roman" panose="02020603050405020304" pitchFamily="18" charset="0"/>
+                <a:ea typeface="Times New Roman" panose="02020603050405020304" pitchFamily="18" charset="0"/>
+              </a:rPr>
+              <a:t>The dataset used [2] contains a list of video games with sales greater than 100,000 copies. Fields include rank, name, platform, year, genre, publisher, sales figures from North America, Europe, Japan, other regions, and global sales figures</a:t>
+            </a:r>
+          </a:p>
+          <a:p>
+            <a:endParaRPr lang="en-US" dirty="0">
+              <a:latin typeface="Times New Roman" panose="02020603050405020304" pitchFamily="18" charset="0"/>
+              <a:ea typeface="Times New Roman" panose="02020603050405020304" pitchFamily="18" charset="0"/>
+            </a:endParaRPr>
+          </a:p>
+          <a:p>
+            <a:r>
+              <a:rPr lang="en-US" dirty="0">
+                <a:latin typeface="Times New Roman" panose="02020603050405020304" pitchFamily="18" charset="0"/>
+                <a:ea typeface="Times New Roman" panose="02020603050405020304" pitchFamily="18" charset="0"/>
+              </a:rPr>
+              <a:t>There were a total of 16,598 records in the dataset. After dropping missing values, we were left with 16,291. </a:t>
+            </a:r>
+            <a:r>
+              <a:rPr lang="en-US" dirty="0">
+                <a:effectLst/>
+                <a:latin typeface="Times New Roman" panose="02020603050405020304" pitchFamily="18" charset="0"/>
+                <a:ea typeface="Times New Roman" panose="02020603050405020304" pitchFamily="18" charset="0"/>
+              </a:rPr>
+              <a:t>A row called ”Platform Creator” was also created to</a:t>
+            </a:r>
+            <a:r>
+              <a:rPr lang="en-US" dirty="0">
+                <a:latin typeface="Times New Roman" panose="02020603050405020304" pitchFamily="18" charset="0"/>
+                <a:ea typeface="Times New Roman" panose="02020603050405020304" pitchFamily="18" charset="0"/>
+              </a:rPr>
+              <a:t> aggregate platforms listed in the dataset.</a:t>
+            </a:r>
+          </a:p>
+          <a:p>
+            <a:endParaRPr lang="en-US" dirty="0">
+              <a:effectLst/>
+              <a:latin typeface="Times New Roman" panose="02020603050405020304" pitchFamily="18" charset="0"/>
+              <a:ea typeface="Times New Roman" panose="02020603050405020304" pitchFamily="18" charset="0"/>
+            </a:endParaRPr>
+          </a:p>
+          <a:p>
+            <a:r>
+              <a:rPr lang="en-US" dirty="0">
+                <a:latin typeface="Times New Roman" panose="02020603050405020304" pitchFamily="18" charset="0"/>
+                <a:ea typeface="Times New Roman" panose="02020603050405020304" pitchFamily="18" charset="0"/>
+              </a:rPr>
+              <a:t>In understanding the dataset figures were created to show samples of greater importance. Figure 1 and 2 show such.</a:t>
+            </a:r>
+          </a:p>
+          <a:p>
+            <a:endParaRPr lang="en-US" dirty="0">
+              <a:effectLst/>
+              <a:latin typeface="Times New Roman" panose="02020603050405020304" pitchFamily="18" charset="0"/>
+              <a:ea typeface="Times New Roman" panose="02020603050405020304" pitchFamily="18" charset="0"/>
+            </a:endParaRPr>
+          </a:p>
+          <a:p>
+            <a:endParaRPr lang="en-US" dirty="0">
+              <a:effectLst/>
+              <a:latin typeface="Times New Roman" panose="02020603050405020304" pitchFamily="18" charset="0"/>
+              <a:ea typeface="Times New Roman" panose="02020603050405020304" pitchFamily="18" charset="0"/>
+            </a:endParaRPr>
+          </a:p>
+        </p:txBody>
+      </p:sp>
+      <p:pic>
+        <p:nvPicPr>
+          <p:cNvPr id="26" name="Picture 25" descr="A graph of sales and sales&#10;&#10;Description automatically generated with medium confidence">
+            <a:extLst>
+              <a:ext uri="{FF2B5EF4-FFF2-40B4-BE49-F238E27FC236}">
+                <a16:creationId xmlns:a16="http://schemas.microsoft.com/office/drawing/2014/main" id="{AD35E4F8-1684-9C75-2B14-1AD3ADF679B0}"/>
+              </a:ext>
+            </a:extLst>
+          </p:cNvPr>
+          <p:cNvPicPr>
+            <a:picLocks noChangeAspect="1"/>
+          </p:cNvPicPr>
+          <p:nvPr/>
+        </p:nvPicPr>
+        <p:blipFill>
+          <a:blip r:embed="rId6"/>
+          <a:stretch>
+            <a:fillRect/>
+          </a:stretch>
+        </p:blipFill>
+        <p:spPr>
+          <a:xfrm>
+            <a:off x="11810024" y="16459199"/>
+            <a:ext cx="9291914" cy="6194609"/>
+          </a:xfrm>
+          <a:prstGeom prst="rect">
+            <a:avLst/>
+          </a:prstGeom>
+        </p:spPr>
+      </p:pic>
+      <p:sp>
+        <p:nvSpPr>
+          <p:cNvPr id="27" name="TextBox 26">
+            <a:extLst>
+              <a:ext uri="{FF2B5EF4-FFF2-40B4-BE49-F238E27FC236}">
+                <a16:creationId xmlns:a16="http://schemas.microsoft.com/office/drawing/2014/main" id="{D32AE7A7-8B25-4980-7685-486C1B05360A}"/>
+              </a:ext>
+            </a:extLst>
+          </p:cNvPr>
+          <p:cNvSpPr txBox="1"/>
+          <p:nvPr/>
+        </p:nvSpPr>
+        <p:spPr>
+          <a:xfrm>
+            <a:off x="12495109" y="23028911"/>
+            <a:ext cx="6976382" cy="1373902"/>
+          </a:xfrm>
+          <a:prstGeom prst="rect">
+            <a:avLst/>
+          </a:prstGeom>
+          <a:noFill/>
+        </p:spPr>
+        <p:txBody>
+          <a:bodyPr wrap="square" rtlCol="0">
+            <a:spAutoFit/>
+          </a:bodyPr>
+          <a:lstStyle/>
+          <a:p>
+            <a:r>
+              <a:rPr lang="en-US" sz="2800" i="1" dirty="0">
+                <a:effectLst/>
+                <a:latin typeface="Times New Roman" panose="02020603050405020304" pitchFamily="18" charset="0"/>
+                <a:ea typeface="Times New Roman" panose="02020603050405020304" pitchFamily="18" charset="0"/>
+              </a:rPr>
+              <a:t>Figure 1: Regional contributions to game sales</a:t>
+            </a:r>
+            <a:endParaRPr lang="en-US" sz="2800" dirty="0">
+              <a:effectLst/>
+              <a:latin typeface="Times New Roman" panose="02020603050405020304" pitchFamily="18" charset="0"/>
+              <a:ea typeface="Times New Roman" panose="02020603050405020304" pitchFamily="18" charset="0"/>
+            </a:endParaRPr>
+          </a:p>
+          <a:p>
+            <a:endParaRPr lang="en-US" dirty="0"/>
+          </a:p>
+        </p:txBody>
+      </p:sp>
+      <p:pic>
+        <p:nvPicPr>
+          <p:cNvPr id="28" name="Picture 27" descr="A graph of a number of green bars&#10;&#10;Description automatically generated with medium confidence">
+            <a:extLst>
+              <a:ext uri="{FF2B5EF4-FFF2-40B4-BE49-F238E27FC236}">
+                <a16:creationId xmlns:a16="http://schemas.microsoft.com/office/drawing/2014/main" id="{6EEBE2CA-DC7B-0EBB-1F47-6A5E77BACE57}"/>
+              </a:ext>
+            </a:extLst>
+          </p:cNvPr>
+          <p:cNvPicPr>
+            <a:picLocks noChangeAspect="1"/>
+          </p:cNvPicPr>
+          <p:nvPr/>
+        </p:nvPicPr>
+        <p:blipFill>
+          <a:blip r:embed="rId7"/>
+          <a:stretch>
+            <a:fillRect/>
+          </a:stretch>
+        </p:blipFill>
+        <p:spPr>
+          <a:xfrm>
+            <a:off x="11875575" y="24777916"/>
+            <a:ext cx="8879005" cy="6035040"/>
+          </a:xfrm>
+          <a:prstGeom prst="rect">
+            <a:avLst/>
+          </a:prstGeom>
+        </p:spPr>
+      </p:pic>
+      <p:sp>
+        <p:nvSpPr>
+          <p:cNvPr id="29" name="TextBox 28">
+            <a:extLst>
+              <a:ext uri="{FF2B5EF4-FFF2-40B4-BE49-F238E27FC236}">
+                <a16:creationId xmlns:a16="http://schemas.microsoft.com/office/drawing/2014/main" id="{B694F8BE-9CB3-0B54-22BC-F069EA3B1EBA}"/>
+              </a:ext>
+            </a:extLst>
+          </p:cNvPr>
+          <p:cNvSpPr txBox="1"/>
+          <p:nvPr/>
+        </p:nvSpPr>
+        <p:spPr>
+          <a:xfrm>
+            <a:off x="13125800" y="30953744"/>
+            <a:ext cx="5715000" cy="523220"/>
+          </a:xfrm>
+          <a:prstGeom prst="rect">
+            <a:avLst/>
+          </a:prstGeom>
+          <a:noFill/>
+        </p:spPr>
+        <p:txBody>
+          <a:bodyPr wrap="square" rtlCol="0">
+            <a:spAutoFit/>
+          </a:bodyPr>
+          <a:lstStyle/>
+          <a:p>
+            <a:pPr marL="0" marR="0" algn="ctr"/>
+            <a:r>
+              <a:rPr lang="en-US" sz="2800" i="1" dirty="0">
+                <a:effectLst/>
+                <a:latin typeface="Times New Roman" panose="02020603050405020304" pitchFamily="18" charset="0"/>
+                <a:ea typeface="Times New Roman" panose="02020603050405020304" pitchFamily="18" charset="0"/>
+              </a:rPr>
+              <a:t>Figure 2: Number of games by genre</a:t>
+            </a:r>
+            <a:endParaRPr lang="en-US" sz="2800" dirty="0">
+              <a:effectLst/>
+              <a:latin typeface="Times New Roman" panose="02020603050405020304" pitchFamily="18" charset="0"/>
+              <a:ea typeface="Times New Roman" panose="02020603050405020304" pitchFamily="18" charset="0"/>
+            </a:endParaRPr>
+          </a:p>
+        </p:txBody>
+      </p:sp>
+      <p:sp>
+        <p:nvSpPr>
+          <p:cNvPr id="32" name="Text Placeholder 16">
+            <a:extLst>
+              <a:ext uri="{FF2B5EF4-FFF2-40B4-BE49-F238E27FC236}">
+                <a16:creationId xmlns:a16="http://schemas.microsoft.com/office/drawing/2014/main" id="{24F7CBF4-B971-4BF7-823C-14A0DE2F66FB}"/>
+              </a:ext>
+            </a:extLst>
+          </p:cNvPr>
+          <p:cNvSpPr txBox="1">
+            <a:spLocks/>
+          </p:cNvSpPr>
+          <p:nvPr/>
+        </p:nvSpPr>
+        <p:spPr>
+          <a:xfrm>
+            <a:off x="22404683" y="9415988"/>
+            <a:ext cx="10058400" cy="6450997"/>
+          </a:xfrm>
+          <a:prstGeom prst="rect">
+            <a:avLst/>
+          </a:prstGeom>
+        </p:spPr>
+        <p:txBody>
+          <a:bodyPr wrap="square" lIns="365760" tIns="365760" rIns="365760" bIns="365760">
+            <a:spAutoFit/>
+          </a:bodyPr>
+          <a:lstStyle>
+            <a:lvl1pPr marL="0" indent="0" algn="l" defTabSz="7802411" rtl="0" eaLnBrk="1" latinLnBrk="0" hangingPunct="1">
+              <a:spcBef>
+                <a:spcPct val="20000"/>
+              </a:spcBef>
+              <a:buFont typeface="Arial" pitchFamily="34" charset="0"/>
+              <a:buNone/>
+              <a:tabLst/>
+              <a:defRPr lang="en-US" sz="3200" kern="1200" dirty="0">
+                <a:solidFill>
+                  <a:schemeClr val="tx1"/>
+                </a:solidFill>
+                <a:latin typeface="+mn-lt"/>
+                <a:ea typeface="+mn-ea"/>
+                <a:cs typeface="+mn-cs"/>
+              </a:defRPr>
+            </a:lvl1pPr>
+            <a:lvl2pPr marL="461963" indent="-231775" algn="l" defTabSz="7802411" rtl="0" eaLnBrk="1" latinLnBrk="0" hangingPunct="1">
+              <a:spcBef>
+                <a:spcPct val="20000"/>
+              </a:spcBef>
+              <a:buFont typeface="Arial" pitchFamily="34" charset="0"/>
+              <a:buChar char="–"/>
+              <a:tabLst/>
+              <a:defRPr lang="en-US" sz="2400" kern="1200" dirty="0">
+                <a:solidFill>
+                  <a:schemeClr val="tx1"/>
+                </a:solidFill>
+                <a:latin typeface="+mn-lt"/>
+                <a:ea typeface="+mn-ea"/>
+                <a:cs typeface="+mn-cs"/>
+              </a:defRPr>
+            </a:lvl2pPr>
+            <a:lvl3pPr marL="461963" indent="-231775" algn="l" defTabSz="7802411" rtl="0" eaLnBrk="1" latinLnBrk="0" hangingPunct="1">
+              <a:spcBef>
+                <a:spcPct val="20000"/>
+              </a:spcBef>
+              <a:buFont typeface="Arial" pitchFamily="34" charset="0"/>
+              <a:buChar char="•"/>
+              <a:tabLst/>
+              <a:defRPr lang="en-US" sz="1800" kern="1200" dirty="0">
+                <a:solidFill>
+                  <a:schemeClr val="tx1"/>
+                </a:solidFill>
+                <a:latin typeface="+mn-lt"/>
+                <a:ea typeface="+mn-ea"/>
+                <a:cs typeface="+mn-cs"/>
+              </a:defRPr>
+            </a:lvl3pPr>
+            <a:lvl4pPr marL="461963" indent="-231775" algn="l" defTabSz="7802411" rtl="0" eaLnBrk="1" latinLnBrk="0" hangingPunct="1">
+              <a:spcBef>
+                <a:spcPct val="20000"/>
+              </a:spcBef>
+              <a:buFont typeface="Arial" pitchFamily="34" charset="0"/>
+              <a:buChar char="–"/>
+              <a:tabLst/>
+              <a:defRPr lang="en-US" sz="1200" kern="1200" dirty="0">
+                <a:solidFill>
+                  <a:schemeClr val="tx1"/>
+                </a:solidFill>
+                <a:latin typeface="+mn-lt"/>
+                <a:ea typeface="+mn-ea"/>
+                <a:cs typeface="+mn-cs"/>
+              </a:defRPr>
+            </a:lvl4pPr>
+            <a:lvl5pPr marL="461963" indent="-231775" algn="l" defTabSz="7802411" rtl="0" eaLnBrk="1" latinLnBrk="0" hangingPunct="1">
+              <a:spcBef>
+                <a:spcPct val="20000"/>
+              </a:spcBef>
+              <a:buFont typeface="Arial" pitchFamily="34" charset="0"/>
+              <a:buChar char="»"/>
+              <a:tabLst/>
+              <a:defRPr lang="en-US" sz="1200" kern="1200" dirty="0">
+                <a:solidFill>
+                  <a:schemeClr val="tx1"/>
+                </a:solidFill>
+                <a:latin typeface="+mn-lt"/>
+                <a:ea typeface="+mn-ea"/>
+                <a:cs typeface="+mn-cs"/>
+              </a:defRPr>
+            </a:lvl5pPr>
+            <a:lvl6pPr marL="21456635" indent="-1950605" algn="l" defTabSz="7802411" rtl="0" eaLnBrk="1" latinLnBrk="0" hangingPunct="1">
+              <a:spcBef>
+                <a:spcPct val="20000"/>
+              </a:spcBef>
+              <a:buFont typeface="Arial" pitchFamily="34" charset="0"/>
+              <a:buChar char="•"/>
+              <a:defRPr sz="17067" kern="1200">
+                <a:solidFill>
+                  <a:schemeClr val="tx1"/>
+                </a:solidFill>
+                <a:latin typeface="+mn-lt"/>
+                <a:ea typeface="+mn-ea"/>
+                <a:cs typeface="+mn-cs"/>
+              </a:defRPr>
+            </a:lvl6pPr>
+            <a:lvl7pPr marL="25357837" indent="-1950605" algn="l" defTabSz="7802411" rtl="0" eaLnBrk="1" latinLnBrk="0" hangingPunct="1">
+              <a:spcBef>
+                <a:spcPct val="20000"/>
+              </a:spcBef>
+              <a:buFont typeface="Arial" pitchFamily="34" charset="0"/>
+              <a:buChar char="•"/>
+              <a:defRPr sz="17067" kern="1200">
+                <a:solidFill>
+                  <a:schemeClr val="tx1"/>
+                </a:solidFill>
+                <a:latin typeface="+mn-lt"/>
+                <a:ea typeface="+mn-ea"/>
+                <a:cs typeface="+mn-cs"/>
+              </a:defRPr>
+            </a:lvl7pPr>
+            <a:lvl8pPr marL="29259046" indent="-1950605" algn="l" defTabSz="7802411" rtl="0" eaLnBrk="1" latinLnBrk="0" hangingPunct="1">
+              <a:spcBef>
+                <a:spcPct val="20000"/>
+              </a:spcBef>
+              <a:buFont typeface="Arial" pitchFamily="34" charset="0"/>
+              <a:buChar char="•"/>
+              <a:defRPr sz="17067" kern="1200">
+                <a:solidFill>
+                  <a:schemeClr val="tx1"/>
+                </a:solidFill>
+                <a:latin typeface="+mn-lt"/>
+                <a:ea typeface="+mn-ea"/>
+                <a:cs typeface="+mn-cs"/>
+              </a:defRPr>
+            </a:lvl8pPr>
+            <a:lvl9pPr marL="33160251" indent="-1950605" algn="l" defTabSz="7802411" rtl="0" eaLnBrk="1" latinLnBrk="0" hangingPunct="1">
+              <a:spcBef>
+                <a:spcPct val="20000"/>
+              </a:spcBef>
+              <a:buFont typeface="Arial" pitchFamily="34" charset="0"/>
+              <a:buChar char="•"/>
+              <a:defRPr sz="17067" kern="1200">
+                <a:solidFill>
+                  <a:schemeClr val="tx1"/>
+                </a:solidFill>
+                <a:latin typeface="+mn-lt"/>
+                <a:ea typeface="+mn-ea"/>
+                <a:cs typeface="+mn-cs"/>
+              </a:defRPr>
+            </a:lvl9pPr>
+          </a:lstStyle>
+          <a:p>
+            <a:r>
+              <a:rPr lang="en-US" dirty="0">
+                <a:effectLst/>
+                <a:latin typeface="Times New Roman" panose="02020603050405020304" pitchFamily="18" charset="0"/>
+                <a:ea typeface="Times New Roman" panose="02020603050405020304" pitchFamily="18" charset="0"/>
+              </a:rPr>
+              <a:t>The </a:t>
+            </a:r>
+            <a:r>
+              <a:rPr lang="en-US" dirty="0">
+                <a:latin typeface="Times New Roman" panose="02020603050405020304" pitchFamily="18" charset="0"/>
+                <a:ea typeface="Times New Roman" panose="02020603050405020304" pitchFamily="18" charset="0"/>
+              </a:rPr>
+              <a:t>first linear regression model performed very poorly due to the non-linear relationships between the features and our target variable.</a:t>
+            </a:r>
+            <a:endParaRPr lang="en-US" dirty="0">
+              <a:effectLst/>
+              <a:latin typeface="Times New Roman" panose="02020603050405020304" pitchFamily="18" charset="0"/>
+              <a:ea typeface="Times New Roman" panose="02020603050405020304" pitchFamily="18" charset="0"/>
+            </a:endParaRPr>
+          </a:p>
+          <a:p>
+            <a:r>
+              <a:rPr lang="en-US" dirty="0">
+                <a:latin typeface="Times New Roman" panose="02020603050405020304" pitchFamily="18" charset="0"/>
+                <a:ea typeface="Times New Roman" panose="02020603050405020304" pitchFamily="18" charset="0"/>
+              </a:rPr>
+              <a:t>The second linear regression model performed very well likely due to global sales being directly correlated with the sum of regional sales. </a:t>
+            </a:r>
+            <a:endParaRPr lang="en-US" dirty="0">
+              <a:effectLst/>
+              <a:latin typeface="Times New Roman" panose="02020603050405020304" pitchFamily="18" charset="0"/>
+              <a:ea typeface="Times New Roman" panose="02020603050405020304" pitchFamily="18" charset="0"/>
+            </a:endParaRPr>
+          </a:p>
+          <a:p>
+            <a:r>
+              <a:rPr lang="en-US" dirty="0">
+                <a:effectLst/>
+                <a:latin typeface="Times New Roman" panose="02020603050405020304" pitchFamily="18" charset="0"/>
+                <a:ea typeface="Times New Roman" panose="02020603050405020304" pitchFamily="18" charset="0"/>
+              </a:rPr>
+              <a:t>The remaining linear regression models performed moderately. </a:t>
+            </a:r>
+            <a:r>
+              <a:rPr lang="en-US" dirty="0">
+                <a:latin typeface="Times New Roman" panose="02020603050405020304" pitchFamily="18" charset="0"/>
+                <a:ea typeface="Times New Roman" panose="02020603050405020304" pitchFamily="18" charset="0"/>
+              </a:rPr>
+              <a:t>Regional sales data is a strong influencer. Figure 3 shows a scatterplot of the predicted values vs. the actual values.</a:t>
+            </a:r>
+          </a:p>
+          <a:p>
+            <a:endParaRPr lang="en-US" dirty="0">
+              <a:effectLst/>
+              <a:latin typeface="Times New Roman" panose="02020603050405020304" pitchFamily="18" charset="0"/>
+              <a:ea typeface="Times New Roman" panose="02020603050405020304" pitchFamily="18" charset="0"/>
+            </a:endParaRPr>
+          </a:p>
+        </p:txBody>
+      </p:sp>
+      <p:pic>
+        <p:nvPicPr>
+          <p:cNvPr id="35" name="Picture 34" descr="A dotted line with blue dots&#10;&#10;Description automatically generated">
+            <a:extLst>
+              <a:ext uri="{FF2B5EF4-FFF2-40B4-BE49-F238E27FC236}">
+                <a16:creationId xmlns:a16="http://schemas.microsoft.com/office/drawing/2014/main" id="{F3CC7F62-BA36-7318-D7F3-529AE7739678}"/>
+              </a:ext>
+            </a:extLst>
+          </p:cNvPr>
+          <p:cNvPicPr>
+            <a:picLocks noChangeAspect="1"/>
+          </p:cNvPicPr>
+          <p:nvPr/>
+        </p:nvPicPr>
+        <p:blipFill>
+          <a:blip r:embed="rId8"/>
+          <a:stretch>
+            <a:fillRect/>
+          </a:stretch>
+        </p:blipFill>
+        <p:spPr>
+          <a:xfrm>
+            <a:off x="23125213" y="15330355"/>
+            <a:ext cx="8526236" cy="5211725"/>
+          </a:xfrm>
+          <a:prstGeom prst="rect">
+            <a:avLst/>
+          </a:prstGeom>
+        </p:spPr>
+      </p:pic>
+      <p:sp>
+        <p:nvSpPr>
+          <p:cNvPr id="36" name="TextBox 35">
+            <a:extLst>
+              <a:ext uri="{FF2B5EF4-FFF2-40B4-BE49-F238E27FC236}">
+                <a16:creationId xmlns:a16="http://schemas.microsoft.com/office/drawing/2014/main" id="{776D26E6-EA79-F275-B66F-68ECF04DB3F7}"/>
+              </a:ext>
+            </a:extLst>
+          </p:cNvPr>
+          <p:cNvSpPr txBox="1"/>
+          <p:nvPr/>
+        </p:nvSpPr>
+        <p:spPr>
+          <a:xfrm>
+            <a:off x="22641291" y="20665567"/>
+            <a:ext cx="9494080" cy="954107"/>
+          </a:xfrm>
+          <a:prstGeom prst="rect">
+            <a:avLst/>
+          </a:prstGeom>
+          <a:noFill/>
+        </p:spPr>
+        <p:txBody>
+          <a:bodyPr wrap="square" rtlCol="0">
+            <a:spAutoFit/>
+          </a:bodyPr>
+          <a:lstStyle/>
+          <a:p>
+            <a:pPr marL="0" marR="0" algn="ctr"/>
+            <a:r>
+              <a:rPr lang="en-US" sz="2800" i="1" dirty="0">
+                <a:effectLst/>
+                <a:latin typeface="Times New Roman" panose="02020603050405020304" pitchFamily="18" charset="0"/>
+                <a:ea typeface="Times New Roman" panose="02020603050405020304" pitchFamily="18" charset="0"/>
+              </a:rPr>
+              <a:t>Figure 3: Linear regression model 3 scatter plot including North American sales figures</a:t>
+            </a:r>
+            <a:endParaRPr lang="en-US" sz="2800" dirty="0">
+              <a:effectLst/>
+              <a:latin typeface="Times New Roman" panose="02020603050405020304" pitchFamily="18" charset="0"/>
+              <a:ea typeface="Times New Roman" panose="02020603050405020304" pitchFamily="18" charset="0"/>
+            </a:endParaRPr>
+          </a:p>
+        </p:txBody>
+      </p:sp>
+      <p:pic>
+        <p:nvPicPr>
+          <p:cNvPr id="37" name="Picture 36" descr="A graph of a number of people&#10;&#10;Description automatically generated">
+            <a:extLst>
+              <a:ext uri="{FF2B5EF4-FFF2-40B4-BE49-F238E27FC236}">
+                <a16:creationId xmlns:a16="http://schemas.microsoft.com/office/drawing/2014/main" id="{0FE9B20E-2151-189D-E3A3-CE286E3AFEE0}"/>
+              </a:ext>
+            </a:extLst>
+          </p:cNvPr>
+          <p:cNvPicPr>
+            <a:picLocks noChangeAspect="1"/>
+          </p:cNvPicPr>
+          <p:nvPr/>
+        </p:nvPicPr>
+        <p:blipFill>
+          <a:blip r:embed="rId9"/>
+          <a:stretch>
+            <a:fillRect/>
+          </a:stretch>
+        </p:blipFill>
+        <p:spPr>
+          <a:xfrm>
+            <a:off x="23484236" y="21980594"/>
+            <a:ext cx="7998879" cy="8803040"/>
+          </a:xfrm>
+          <a:prstGeom prst="rect">
+            <a:avLst/>
+          </a:prstGeom>
+        </p:spPr>
+      </p:pic>
+      <p:sp>
+        <p:nvSpPr>
+          <p:cNvPr id="38" name="TextBox 37">
+            <a:extLst>
+              <a:ext uri="{FF2B5EF4-FFF2-40B4-BE49-F238E27FC236}">
+                <a16:creationId xmlns:a16="http://schemas.microsoft.com/office/drawing/2014/main" id="{3716C1B8-1617-84BB-4624-D7554DC938F5}"/>
+              </a:ext>
+            </a:extLst>
+          </p:cNvPr>
+          <p:cNvSpPr txBox="1"/>
+          <p:nvPr/>
+        </p:nvSpPr>
+        <p:spPr>
+          <a:xfrm>
+            <a:off x="22641291" y="31064401"/>
+            <a:ext cx="9494080" cy="954107"/>
+          </a:xfrm>
+          <a:prstGeom prst="rect">
+            <a:avLst/>
+          </a:prstGeom>
+          <a:noFill/>
+        </p:spPr>
+        <p:txBody>
+          <a:bodyPr wrap="square" rtlCol="0">
+            <a:spAutoFit/>
+          </a:bodyPr>
+          <a:lstStyle/>
+          <a:p>
+            <a:pPr marL="0" marR="0" algn="ctr"/>
+            <a:r>
+              <a:rPr lang="en-US" sz="2800" i="1" dirty="0">
+                <a:effectLst/>
+                <a:latin typeface="Times New Roman" panose="02020603050405020304" pitchFamily="18" charset="0"/>
+                <a:ea typeface="Times New Roman" panose="02020603050405020304" pitchFamily="18" charset="0"/>
+                <a:cs typeface="Times New Roman" panose="02020603050405020304" pitchFamily="18" charset="0"/>
+              </a:rPr>
+              <a:t>Figure 4: </a:t>
+            </a:r>
+            <a:r>
+              <a:rPr lang="en-US" sz="2800" i="1" dirty="0">
+                <a:effectLst/>
+                <a:latin typeface="Times New Roman" panose="02020603050405020304" pitchFamily="18" charset="0"/>
+                <a:ea typeface="Aptos" panose="020B0004020202020204" pitchFamily="34" charset="0"/>
+                <a:cs typeface="Times New Roman" panose="02020603050405020304" pitchFamily="18" charset="0"/>
+              </a:rPr>
+              <a:t>Top 20 feature importance’s in the first random forest model</a:t>
+            </a:r>
+            <a:r>
+              <a:rPr lang="en-US" sz="2800" dirty="0">
+                <a:effectLst/>
+                <a:latin typeface="Times New Roman" panose="02020603050405020304" pitchFamily="18" charset="0"/>
+                <a:cs typeface="Times New Roman" panose="02020603050405020304" pitchFamily="18" charset="0"/>
+              </a:rPr>
+              <a:t> </a:t>
+            </a:r>
+            <a:endParaRPr lang="en-US" sz="2800" dirty="0">
+              <a:effectLst/>
+              <a:latin typeface="Times New Roman" panose="02020603050405020304" pitchFamily="18" charset="0"/>
+              <a:ea typeface="Times New Roman" panose="02020603050405020304" pitchFamily="18" charset="0"/>
+              <a:cs typeface="Times New Roman" panose="02020603050405020304" pitchFamily="18" charset="0"/>
+            </a:endParaRPr>
+          </a:p>
+        </p:txBody>
+      </p:sp>
+      <p:pic>
+        <p:nvPicPr>
+          <p:cNvPr id="39" name="Picture 38" descr="A graph with many names&#10;&#10;Description automatically generated with medium confidence">
+            <a:extLst>
+              <a:ext uri="{FF2B5EF4-FFF2-40B4-BE49-F238E27FC236}">
+                <a16:creationId xmlns:a16="http://schemas.microsoft.com/office/drawing/2014/main" id="{E5C7937D-61E4-C8D0-CDFF-0B59CD8A841F}"/>
+              </a:ext>
+            </a:extLst>
+          </p:cNvPr>
+          <p:cNvPicPr>
+            <a:picLocks noChangeAspect="1"/>
+          </p:cNvPicPr>
+          <p:nvPr/>
+        </p:nvPicPr>
+        <p:blipFill>
+          <a:blip r:embed="rId10"/>
+          <a:stretch>
+            <a:fillRect/>
+          </a:stretch>
+        </p:blipFill>
+        <p:spPr>
+          <a:xfrm>
+            <a:off x="34798000" y="4982724"/>
+            <a:ext cx="7772400" cy="8503138"/>
+          </a:xfrm>
+          <a:prstGeom prst="rect">
+            <a:avLst/>
+          </a:prstGeom>
+        </p:spPr>
+      </p:pic>
+      <p:sp>
+        <p:nvSpPr>
+          <p:cNvPr id="40" name="TextBox 39">
+            <a:extLst>
+              <a:ext uri="{FF2B5EF4-FFF2-40B4-BE49-F238E27FC236}">
+                <a16:creationId xmlns:a16="http://schemas.microsoft.com/office/drawing/2014/main" id="{ED015494-61A6-922A-CE8B-B27CD18FF32C}"/>
+              </a:ext>
+            </a:extLst>
+          </p:cNvPr>
+          <p:cNvSpPr txBox="1"/>
+          <p:nvPr/>
+        </p:nvSpPr>
+        <p:spPr>
+          <a:xfrm>
+            <a:off x="33699052" y="13606579"/>
+            <a:ext cx="9494080" cy="954107"/>
+          </a:xfrm>
+          <a:prstGeom prst="rect">
+            <a:avLst/>
+          </a:prstGeom>
+          <a:noFill/>
+        </p:spPr>
+        <p:txBody>
+          <a:bodyPr wrap="square" rtlCol="0">
+            <a:spAutoFit/>
+          </a:bodyPr>
+          <a:lstStyle/>
+          <a:p>
+            <a:pPr marL="0" marR="0" algn="ctr"/>
+            <a:r>
+              <a:rPr lang="en-US" sz="2800" i="1" dirty="0">
+                <a:effectLst/>
+                <a:latin typeface="Times New Roman" panose="02020603050405020304" pitchFamily="18" charset="0"/>
+                <a:ea typeface="Times New Roman" panose="02020603050405020304" pitchFamily="18" charset="0"/>
+                <a:cs typeface="Times New Roman" panose="02020603050405020304" pitchFamily="18" charset="0"/>
+              </a:rPr>
+              <a:t>Figure 4: </a:t>
+            </a:r>
+            <a:r>
+              <a:rPr lang="en-US" sz="2800" i="1" dirty="0">
+                <a:effectLst/>
+                <a:latin typeface="Times New Roman" panose="02020603050405020304" pitchFamily="18" charset="0"/>
+                <a:ea typeface="Aptos" panose="020B0004020202020204" pitchFamily="34" charset="0"/>
+                <a:cs typeface="Times New Roman" panose="02020603050405020304" pitchFamily="18" charset="0"/>
+              </a:rPr>
+              <a:t>Top 20 feature importance’s in the second random forest model that includes North American sales figures</a:t>
+            </a:r>
+            <a:r>
+              <a:rPr lang="en-US" sz="2800" dirty="0">
+                <a:effectLst/>
+                <a:latin typeface="Times New Roman" panose="02020603050405020304" pitchFamily="18" charset="0"/>
+                <a:cs typeface="Times New Roman" panose="02020603050405020304" pitchFamily="18" charset="0"/>
+              </a:rPr>
+              <a:t> </a:t>
+            </a:r>
+            <a:endParaRPr lang="en-US" sz="2800" dirty="0">
+              <a:effectLst/>
+              <a:latin typeface="Times New Roman" panose="02020603050405020304" pitchFamily="18" charset="0"/>
+              <a:ea typeface="Times New Roman" panose="02020603050405020304" pitchFamily="18" charset="0"/>
+              <a:cs typeface="Times New Roman" panose="02020603050405020304" pitchFamily="18" charset="0"/>
+            </a:endParaRPr>
+          </a:p>
+        </p:txBody>
+      </p:sp>
+      <p:sp>
+        <p:nvSpPr>
+          <p:cNvPr id="41" name="Text Placeholder 15">
+            <a:extLst>
+              <a:ext uri="{FF2B5EF4-FFF2-40B4-BE49-F238E27FC236}">
+                <a16:creationId xmlns:a16="http://schemas.microsoft.com/office/drawing/2014/main" id="{59A5199F-36CC-EB32-37AD-ED163377AB79}"/>
+              </a:ext>
+            </a:extLst>
+          </p:cNvPr>
+          <p:cNvSpPr txBox="1">
+            <a:spLocks/>
+          </p:cNvSpPr>
+          <p:nvPr/>
+        </p:nvSpPr>
+        <p:spPr>
+          <a:xfrm>
+            <a:off x="33357087" y="20934909"/>
+            <a:ext cx="10058400" cy="6844951"/>
+          </a:xfrm>
+          <a:prstGeom prst="rect">
+            <a:avLst/>
+          </a:prstGeom>
+        </p:spPr>
+        <p:txBody>
+          <a:bodyPr wrap="square" lIns="365760" tIns="365760" rIns="365760" bIns="365760">
+            <a:spAutoFit/>
+          </a:bodyPr>
+          <a:lstStyle>
+            <a:lvl1pPr marL="0" indent="0" algn="l" defTabSz="7802411" rtl="0" eaLnBrk="1" latinLnBrk="0" hangingPunct="1">
+              <a:spcBef>
+                <a:spcPct val="20000"/>
+              </a:spcBef>
+              <a:buFont typeface="Arial" pitchFamily="34" charset="0"/>
+              <a:buNone/>
+              <a:tabLst/>
+              <a:defRPr lang="en-US" sz="3200" kern="1200" dirty="0">
+                <a:solidFill>
+                  <a:schemeClr val="tx1"/>
+                </a:solidFill>
+                <a:latin typeface="+mn-lt"/>
+                <a:ea typeface="+mn-ea"/>
+                <a:cs typeface="+mn-cs"/>
+              </a:defRPr>
+            </a:lvl1pPr>
+            <a:lvl2pPr marL="461963" indent="-231775" algn="l" defTabSz="7802411" rtl="0" eaLnBrk="1" latinLnBrk="0" hangingPunct="1">
+              <a:spcBef>
+                <a:spcPct val="20000"/>
+              </a:spcBef>
+              <a:buFont typeface="Arial" pitchFamily="34" charset="0"/>
+              <a:buChar char="–"/>
+              <a:tabLst/>
+              <a:defRPr lang="en-US" sz="2400" kern="1200" dirty="0">
+                <a:solidFill>
+                  <a:schemeClr val="tx1"/>
+                </a:solidFill>
+                <a:latin typeface="+mn-lt"/>
+                <a:ea typeface="+mn-ea"/>
+                <a:cs typeface="+mn-cs"/>
+              </a:defRPr>
+            </a:lvl2pPr>
+            <a:lvl3pPr marL="461963" indent="-231775" algn="l" defTabSz="7802411" rtl="0" eaLnBrk="1" latinLnBrk="0" hangingPunct="1">
+              <a:spcBef>
+                <a:spcPct val="20000"/>
+              </a:spcBef>
+              <a:buFont typeface="Arial" pitchFamily="34" charset="0"/>
+              <a:buChar char="•"/>
+              <a:tabLst/>
+              <a:defRPr lang="en-US" sz="1800" kern="1200" dirty="0">
+                <a:solidFill>
+                  <a:schemeClr val="tx1"/>
+                </a:solidFill>
+                <a:latin typeface="+mn-lt"/>
+                <a:ea typeface="+mn-ea"/>
+                <a:cs typeface="+mn-cs"/>
+              </a:defRPr>
+            </a:lvl3pPr>
+            <a:lvl4pPr marL="461963" indent="-231775" algn="l" defTabSz="7802411" rtl="0" eaLnBrk="1" latinLnBrk="0" hangingPunct="1">
+              <a:spcBef>
+                <a:spcPct val="20000"/>
+              </a:spcBef>
+              <a:buFont typeface="Arial" pitchFamily="34" charset="0"/>
+              <a:buChar char="–"/>
+              <a:tabLst/>
+              <a:defRPr lang="en-US" sz="1200" kern="1200" dirty="0">
+                <a:solidFill>
+                  <a:schemeClr val="tx1"/>
+                </a:solidFill>
+                <a:latin typeface="+mn-lt"/>
+                <a:ea typeface="+mn-ea"/>
+                <a:cs typeface="+mn-cs"/>
+              </a:defRPr>
+            </a:lvl4pPr>
+            <a:lvl5pPr marL="461963" indent="-231775" algn="l" defTabSz="7802411" rtl="0" eaLnBrk="1" latinLnBrk="0" hangingPunct="1">
+              <a:spcBef>
+                <a:spcPct val="20000"/>
+              </a:spcBef>
+              <a:buFont typeface="Arial" pitchFamily="34" charset="0"/>
+              <a:buChar char="»"/>
+              <a:tabLst/>
+              <a:defRPr lang="en-US" sz="1200" kern="1200" dirty="0">
+                <a:solidFill>
+                  <a:schemeClr val="tx1"/>
+                </a:solidFill>
+                <a:latin typeface="+mn-lt"/>
+                <a:ea typeface="+mn-ea"/>
+                <a:cs typeface="+mn-cs"/>
+              </a:defRPr>
+            </a:lvl5pPr>
+            <a:lvl6pPr marL="21456635" indent="-1950605" algn="l" defTabSz="7802411" rtl="0" eaLnBrk="1" latinLnBrk="0" hangingPunct="1">
+              <a:spcBef>
+                <a:spcPct val="20000"/>
+              </a:spcBef>
+              <a:buFont typeface="Arial" pitchFamily="34" charset="0"/>
+              <a:buChar char="•"/>
+              <a:defRPr sz="17067" kern="1200">
+                <a:solidFill>
+                  <a:schemeClr val="tx1"/>
+                </a:solidFill>
+                <a:latin typeface="+mn-lt"/>
+                <a:ea typeface="+mn-ea"/>
+                <a:cs typeface="+mn-cs"/>
+              </a:defRPr>
+            </a:lvl6pPr>
+            <a:lvl7pPr marL="25357837" indent="-1950605" algn="l" defTabSz="7802411" rtl="0" eaLnBrk="1" latinLnBrk="0" hangingPunct="1">
+              <a:spcBef>
+                <a:spcPct val="20000"/>
+              </a:spcBef>
+              <a:buFont typeface="Arial" pitchFamily="34" charset="0"/>
+              <a:buChar char="•"/>
+              <a:defRPr sz="17067" kern="1200">
+                <a:solidFill>
+                  <a:schemeClr val="tx1"/>
+                </a:solidFill>
+                <a:latin typeface="+mn-lt"/>
+                <a:ea typeface="+mn-ea"/>
+                <a:cs typeface="+mn-cs"/>
+              </a:defRPr>
+            </a:lvl7pPr>
+            <a:lvl8pPr marL="29259046" indent="-1950605" algn="l" defTabSz="7802411" rtl="0" eaLnBrk="1" latinLnBrk="0" hangingPunct="1">
+              <a:spcBef>
+                <a:spcPct val="20000"/>
+              </a:spcBef>
+              <a:buFont typeface="Arial" pitchFamily="34" charset="0"/>
+              <a:buChar char="•"/>
+              <a:defRPr sz="17067" kern="1200">
+                <a:solidFill>
+                  <a:schemeClr val="tx1"/>
+                </a:solidFill>
+                <a:latin typeface="+mn-lt"/>
+                <a:ea typeface="+mn-ea"/>
+                <a:cs typeface="+mn-cs"/>
+              </a:defRPr>
+            </a:lvl8pPr>
+            <a:lvl9pPr marL="33160251" indent="-1950605" algn="l" defTabSz="7802411" rtl="0" eaLnBrk="1" latinLnBrk="0" hangingPunct="1">
+              <a:spcBef>
+                <a:spcPct val="20000"/>
+              </a:spcBef>
+              <a:buFont typeface="Arial" pitchFamily="34" charset="0"/>
+              <a:buChar char="•"/>
+              <a:defRPr sz="17067" kern="1200">
+                <a:solidFill>
+                  <a:schemeClr val="tx1"/>
+                </a:solidFill>
+                <a:latin typeface="+mn-lt"/>
+                <a:ea typeface="+mn-ea"/>
+                <a:cs typeface="+mn-cs"/>
+              </a:defRPr>
+            </a:lvl9pPr>
+          </a:lstStyle>
+          <a:p>
+            <a:r>
+              <a:rPr lang="en-US" dirty="0">
+                <a:latin typeface="Times New Roman" panose="02020603050405020304" pitchFamily="18" charset="0"/>
+                <a:ea typeface="Times New Roman" panose="02020603050405020304" pitchFamily="18" charset="0"/>
+              </a:rPr>
+              <a:t>Seeing as North American sales(or possibly any other region) and global sales seem to be highly correlated this would indicate a limitation in the model and our prediction. There is a heavy reliance on regional sales figures to predict global sales figures. </a:t>
+            </a:r>
+          </a:p>
+          <a:p>
+            <a:endParaRPr lang="en-US" dirty="0">
+              <a:latin typeface="Times New Roman" panose="02020603050405020304" pitchFamily="18" charset="0"/>
+              <a:ea typeface="Times New Roman" panose="02020603050405020304" pitchFamily="18" charset="0"/>
+            </a:endParaRPr>
+          </a:p>
+          <a:p>
+            <a:r>
+              <a:rPr lang="en-US" dirty="0">
+                <a:latin typeface="Times New Roman" panose="02020603050405020304" pitchFamily="18" charset="0"/>
+                <a:ea typeface="Times New Roman" panose="02020603050405020304" pitchFamily="18" charset="0"/>
+              </a:rPr>
+              <a:t>For further analysis and an improvement in the predictive capabilities of the models chosen, without relying so heavily on regional sales data, we could try to enhance the dataset with additional relevant features that capture more dimensions of the factors influencing game popularity and </a:t>
+            </a:r>
+            <a:r>
+              <a:rPr lang="en-US">
+                <a:latin typeface="Times New Roman" panose="02020603050405020304" pitchFamily="18" charset="0"/>
+                <a:ea typeface="Times New Roman" panose="02020603050405020304" pitchFamily="18" charset="0"/>
+              </a:rPr>
+              <a:t>market success.  </a:t>
+            </a:r>
+            <a:endParaRPr lang="en-US" dirty="0">
+              <a:latin typeface="Times New Roman" panose="02020603050405020304" pitchFamily="18" charset="0"/>
+              <a:ea typeface="Times New Roman" panose="02020603050405020304" pitchFamily="18" charset="0"/>
+            </a:endParaRPr>
+          </a:p>
+        </p:txBody>
+      </p:sp>
     </p:spTree>
     <p:extLst>
       <p:ext uri="{BB962C8B-B14F-4D97-AF65-F5344CB8AC3E}">
